--- a/Project/발표/2DGP 중간발표.pptx
+++ b/Project/발표/2DGP 중간발표.pptx
@@ -112,6 +112,11 @@
       </a:defRPr>
     </a:lvl9pPr>
   </p:defaultTextStyle>
+  <p:extLst>
+    <p:ext uri="{EFAFB233-063F-42B5-8137-9DF3F51BA10A}">
+      <p15:sldGuideLst xmlns:p15="http://schemas.microsoft.com/office/powerpoint/2012/main"/>
+    </p:ext>
+  </p:extLst>
 </p:presentation>
 </file>
 
@@ -4098,10 +4103,10 @@
       </p:grpSpPr>
       <p:sp>
         <p:nvSpPr>
-          <p:cNvPr id="34" name="직사각형 33">
-            <a:extLst>
-              <a:ext uri="{FF2B5EF4-FFF2-40B4-BE49-F238E27FC236}">
-                <a16:creationId xmlns:a16="http://schemas.microsoft.com/office/drawing/2014/main" id="{98A90DBD-A3A8-4D7E-88CE-6FE87D985AF4}"/>
+          <p:cNvPr id="32" name="직사각형 31">
+            <a:extLst>
+              <a:ext uri="{FF2B5EF4-FFF2-40B4-BE49-F238E27FC236}">
+                <a16:creationId xmlns:a16="http://schemas.microsoft.com/office/drawing/2014/main" id="{A6E43BE9-BE2E-49B6-BA46-6ADB9BCAC4CC}"/>
               </a:ext>
             </a:extLst>
           </p:cNvPr>
@@ -4110,62 +4115,7 @@
         </p:nvSpPr>
         <p:spPr>
           <a:xfrm>
-            <a:off x="1099403" y="4410384"/>
-            <a:ext cx="9873397" cy="1061052"/>
-          </a:xfrm>
-          <a:prstGeom prst="rect">
-            <a:avLst/>
-          </a:prstGeom>
-          <a:solidFill>
-            <a:schemeClr val="accent4">
-              <a:lumMod val="20000"/>
-              <a:lumOff val="80000"/>
-            </a:schemeClr>
-          </a:solidFill>
-          <a:ln>
-            <a:noFill/>
-          </a:ln>
-        </p:spPr>
-        <p:style>
-          <a:lnRef idx="2">
-            <a:schemeClr val="accent1">
-              <a:shade val="50000"/>
-            </a:schemeClr>
-          </a:lnRef>
-          <a:fillRef idx="1">
-            <a:schemeClr val="accent1"/>
-          </a:fillRef>
-          <a:effectRef idx="0">
-            <a:schemeClr val="accent1"/>
-          </a:effectRef>
-          <a:fontRef idx="minor">
-            <a:schemeClr val="lt1"/>
-          </a:fontRef>
-        </p:style>
-        <p:txBody>
-          <a:bodyPr rtlCol="0" anchor="ctr"/>
-          <a:lstStyle/>
-          <a:p>
-            <a:pPr algn="ctr"/>
-            <a:endParaRPr lang="ko-KR" altLang="en-US"/>
-          </a:p>
-        </p:txBody>
-      </p:sp>
-      <p:sp>
-        <p:nvSpPr>
-          <p:cNvPr id="32" name="직사각형 31">
-            <a:extLst>
-              <a:ext uri="{FF2B5EF4-FFF2-40B4-BE49-F238E27FC236}">
-                <a16:creationId xmlns:a16="http://schemas.microsoft.com/office/drawing/2014/main" id="{A6E43BE9-BE2E-49B6-BA46-6ADB9BCAC4CC}"/>
-              </a:ext>
-            </a:extLst>
-          </p:cNvPr>
-          <p:cNvSpPr/>
-          <p:nvPr/>
-        </p:nvSpPr>
-        <p:spPr>
-          <a:xfrm>
-            <a:off x="1132514" y="1610686"/>
+            <a:off x="6570996" y="2388047"/>
             <a:ext cx="4756558" cy="556637"/>
           </a:xfrm>
           <a:prstGeom prst="rect">
@@ -4292,10 +4242,97 @@
       </p:pic>
       <p:sp>
         <p:nvSpPr>
-          <p:cNvPr id="4" name="TextBox 3">
-            <a:extLst>
-              <a:ext uri="{FF2B5EF4-FFF2-40B4-BE49-F238E27FC236}">
-                <a16:creationId xmlns:a16="http://schemas.microsoft.com/office/drawing/2014/main" id="{C540BE7A-29BD-4BE9-A10E-AD0A633F4CC5}"/>
+          <p:cNvPr id="3" name="날짜 개체 틀 2">
+            <a:extLst>
+              <a:ext uri="{FF2B5EF4-FFF2-40B4-BE49-F238E27FC236}">
+                <a16:creationId xmlns:a16="http://schemas.microsoft.com/office/drawing/2014/main" id="{B706962F-2795-4034-BF73-58ED69C404E9}"/>
+              </a:ext>
+            </a:extLst>
+          </p:cNvPr>
+          <p:cNvSpPr>
+            <a:spLocks noGrp="1"/>
+          </p:cNvSpPr>
+          <p:nvPr>
+            <p:ph type="dt" sz="half" idx="10"/>
+          </p:nvPr>
+        </p:nvSpPr>
+        <p:spPr/>
+        <p:txBody>
+          <a:bodyPr/>
+          <a:lstStyle/>
+          <a:p>
+            <a:fld id="{6EA02CB2-D1B6-454C-9933-6A06D02D20EB}" type="datetime1">
+              <a:rPr lang="ko-KR" altLang="en-US" smtClean="0"/>
+              <a:t>2018-11-05</a:t>
+            </a:fld>
+            <a:endParaRPr lang="ko-KR" altLang="en-US" dirty="0"/>
+          </a:p>
+        </p:txBody>
+      </p:sp>
+      <p:sp>
+        <p:nvSpPr>
+          <p:cNvPr id="5" name="바닥글 개체 틀 4">
+            <a:extLst>
+              <a:ext uri="{FF2B5EF4-FFF2-40B4-BE49-F238E27FC236}">
+                <a16:creationId xmlns:a16="http://schemas.microsoft.com/office/drawing/2014/main" id="{9F4CC70B-A916-4E97-ACB9-AE6810E5BEBB}"/>
+              </a:ext>
+            </a:extLst>
+          </p:cNvPr>
+          <p:cNvSpPr>
+            <a:spLocks noGrp="1"/>
+          </p:cNvSpPr>
+          <p:nvPr>
+            <p:ph type="ftr" sz="quarter" idx="11"/>
+          </p:nvPr>
+        </p:nvSpPr>
+        <p:spPr/>
+        <p:txBody>
+          <a:bodyPr/>
+          <a:lstStyle/>
+          <a:p>
+            <a:r>
+              <a:rPr lang="en-US" altLang="ko-KR"/>
+              <a:t>2018-2DGP Paper☆Dream</a:t>
+            </a:r>
+            <a:endParaRPr lang="ko-KR" altLang="en-US"/>
+          </a:p>
+        </p:txBody>
+      </p:sp>
+      <p:sp>
+        <p:nvSpPr>
+          <p:cNvPr id="7" name="슬라이드 번호 개체 틀 6">
+            <a:extLst>
+              <a:ext uri="{FF2B5EF4-FFF2-40B4-BE49-F238E27FC236}">
+                <a16:creationId xmlns:a16="http://schemas.microsoft.com/office/drawing/2014/main" id="{23D5176C-6CFD-416C-AB30-B4B98903CB92}"/>
+              </a:ext>
+            </a:extLst>
+          </p:cNvPr>
+          <p:cNvSpPr>
+            <a:spLocks noGrp="1"/>
+          </p:cNvSpPr>
+          <p:nvPr>
+            <p:ph type="sldNum" sz="quarter" idx="12"/>
+          </p:nvPr>
+        </p:nvSpPr>
+        <p:spPr/>
+        <p:txBody>
+          <a:bodyPr/>
+          <a:lstStyle/>
+          <a:p>
+            <a:fld id="{9328E776-570F-41AB-B2B8-27820CFE649A}" type="slidenum">
+              <a:rPr lang="ko-KR" altLang="en-US" smtClean="0"/>
+              <a:t>2</a:t>
+            </a:fld>
+            <a:endParaRPr lang="ko-KR" altLang="en-US"/>
+          </a:p>
+        </p:txBody>
+      </p:sp>
+      <p:sp>
+        <p:nvSpPr>
+          <p:cNvPr id="9" name="TextBox 8">
+            <a:extLst>
+              <a:ext uri="{FF2B5EF4-FFF2-40B4-BE49-F238E27FC236}">
+                <a16:creationId xmlns:a16="http://schemas.microsoft.com/office/drawing/2014/main" id="{863C5938-B080-46E6-A35F-4800A473740A}"/>
               </a:ext>
             </a:extLst>
           </p:cNvPr>
@@ -4304,8 +4341,8 @@
         </p:nvSpPr>
         <p:spPr>
           <a:xfrm>
-            <a:off x="1805815" y="4508816"/>
-            <a:ext cx="8109972" cy="880241"/>
+            <a:off x="7244297" y="3057835"/>
+            <a:ext cx="4022255" cy="365165"/>
           </a:xfrm>
           <a:prstGeom prst="rect">
             <a:avLst/>
@@ -4313,7 +4350,7 @@
           <a:noFill/>
         </p:spPr>
         <p:txBody>
-          <a:bodyPr wrap="square" rtlCol="0">
+          <a:bodyPr wrap="none" rtlCol="0">
             <a:spAutoFit/>
           </a:bodyPr>
           <a:lstStyle/>
@@ -4324,287 +4361,48 @@
               </a:lnSpc>
             </a:pPr>
             <a:r>
-              <a:rPr lang="ko-KR" altLang="en-US" sz="1200" dirty="0">
+              <a:rPr lang="ko-KR" altLang="en-US" sz="1400" dirty="0">
                 <a:latin typeface="HY헤드라인M" panose="02030600000101010101" pitchFamily="18" charset="-127"/>
                 <a:ea typeface="HY헤드라인M" panose="02030600000101010101" pitchFamily="18" charset="-127"/>
               </a:rPr>
-              <a:t>전날 밤을 샌 </a:t>
-            </a:r>
-            <a:r>
-              <a:rPr lang="en-US" altLang="ko-KR" sz="1200" dirty="0">
-                <a:solidFill>
-                  <a:srgbClr val="37366B"/>
-                </a:solidFill>
+              <a:t>탄막 </a:t>
+            </a:r>
+            <a:r>
+              <a:rPr lang="en-US" altLang="ko-KR" sz="1400" dirty="0">
                 <a:latin typeface="HY헤드라인M" panose="02030600000101010101" pitchFamily="18" charset="-127"/>
                 <a:ea typeface="HY헤드라인M" panose="02030600000101010101" pitchFamily="18" charset="-127"/>
               </a:rPr>
-              <a:t>‘</a:t>
-            </a:r>
-            <a:r>
-              <a:rPr lang="ko-KR" altLang="en-US" sz="1200" dirty="0">
-                <a:solidFill>
-                  <a:srgbClr val="37366B"/>
-                </a:solidFill>
+              <a:t>+ 2D </a:t>
+            </a:r>
+            <a:r>
+              <a:rPr lang="ko-KR" altLang="en-US" sz="1400" dirty="0">
                 <a:latin typeface="HY헤드라인M" panose="02030600000101010101" pitchFamily="18" charset="-127"/>
                 <a:ea typeface="HY헤드라인M" panose="02030600000101010101" pitchFamily="18" charset="-127"/>
               </a:rPr>
-              <a:t>철수</a:t>
-            </a:r>
-            <a:r>
-              <a:rPr lang="en-US" altLang="ko-KR" sz="1200" dirty="0">
-                <a:solidFill>
-                  <a:srgbClr val="37366B"/>
-                </a:solidFill>
+              <a:t>종 스크롤 게임 </a:t>
+            </a:r>
+            <a:r>
+              <a:rPr lang="en-US" altLang="ko-KR" sz="1400" dirty="0">
                 <a:latin typeface="HY헤드라인M" panose="02030600000101010101" pitchFamily="18" charset="-127"/>
                 <a:ea typeface="HY헤드라인M" panose="02030600000101010101" pitchFamily="18" charset="-127"/>
               </a:rPr>
               <a:t>(</a:t>
             </a:r>
             <a:r>
-              <a:rPr lang="ko-KR" altLang="en-US" sz="1200" dirty="0">
-                <a:solidFill>
-                  <a:srgbClr val="37366B"/>
-                </a:solidFill>
+              <a:rPr lang="ko-KR" altLang="en-US" sz="1400" dirty="0">
                 <a:latin typeface="HY헤드라인M" panose="02030600000101010101" pitchFamily="18" charset="-127"/>
                 <a:ea typeface="HY헤드라인M" panose="02030600000101010101" pitchFamily="18" charset="-127"/>
               </a:rPr>
-              <a:t>주인공</a:t>
-            </a:r>
-            <a:r>
-              <a:rPr lang="en-US" altLang="ko-KR" sz="1200" dirty="0">
-                <a:solidFill>
-                  <a:srgbClr val="37366B"/>
-                </a:solidFill>
+              <a:t>유사 게임</a:t>
+            </a:r>
+            <a:r>
+              <a:rPr lang="en-US" altLang="ko-KR" sz="1400" dirty="0">
                 <a:latin typeface="HY헤드라인M" panose="02030600000101010101" pitchFamily="18" charset="-127"/>
                 <a:ea typeface="HY헤드라인M" panose="02030600000101010101" pitchFamily="18" charset="-127"/>
               </a:rPr>
-              <a:t>)’</a:t>
-            </a:r>
-            <a:r>
-              <a:rPr lang="ko-KR" altLang="en-US" sz="1200" dirty="0">
-                <a:latin typeface="HY헤드라인M" panose="02030600000101010101" pitchFamily="18" charset="-127"/>
-                <a:ea typeface="HY헤드라인M" panose="02030600000101010101" pitchFamily="18" charset="-127"/>
-              </a:rPr>
-              <a:t>는 시험시간 도중에 잠을 자게 되고 종이로 이루어진 꿈을 꾸게 된다</a:t>
-            </a:r>
-            <a:r>
-              <a:rPr lang="en-US" altLang="ko-KR" sz="1200" dirty="0">
-                <a:latin typeface="HY헤드라인M" panose="02030600000101010101" pitchFamily="18" charset="-127"/>
-                <a:ea typeface="HY헤드라인M" panose="02030600000101010101" pitchFamily="18" charset="-127"/>
-              </a:rPr>
-              <a:t>.</a:t>
-            </a:r>
-          </a:p>
-          <a:p>
-            <a:pPr>
-              <a:lnSpc>
-                <a:spcPct val="150000"/>
-              </a:lnSpc>
-            </a:pPr>
-            <a:r>
-              <a:rPr lang="ko-KR" altLang="en-US" sz="1200" dirty="0">
-                <a:latin typeface="HY헤드라인M" panose="02030600000101010101" pitchFamily="18" charset="-127"/>
-                <a:ea typeface="HY헤드라인M" panose="02030600000101010101" pitchFamily="18" charset="-127"/>
-              </a:rPr>
-              <a:t>그 안에서 </a:t>
-            </a:r>
-            <a:r>
-              <a:rPr lang="en-US" altLang="ko-KR" sz="1200" dirty="0">
-                <a:solidFill>
-                  <a:srgbClr val="37366B"/>
-                </a:solidFill>
-                <a:latin typeface="HY헤드라인M" panose="02030600000101010101" pitchFamily="18" charset="-127"/>
-                <a:ea typeface="HY헤드라인M" panose="02030600000101010101" pitchFamily="18" charset="-127"/>
-              </a:rPr>
-              <a:t>‘</a:t>
-            </a:r>
-            <a:r>
-              <a:rPr lang="ko-KR" altLang="en-US" sz="1200" dirty="0">
-                <a:solidFill>
-                  <a:srgbClr val="37366B"/>
-                </a:solidFill>
-                <a:latin typeface="HY헤드라인M" panose="02030600000101010101" pitchFamily="18" charset="-127"/>
-                <a:ea typeface="HY헤드라인M" panose="02030600000101010101" pitchFamily="18" charset="-127"/>
-              </a:rPr>
-              <a:t>철수</a:t>
-            </a:r>
-            <a:r>
-              <a:rPr lang="en-US" altLang="ko-KR" sz="1200" dirty="0">
-                <a:solidFill>
-                  <a:srgbClr val="37366B"/>
-                </a:solidFill>
-                <a:latin typeface="HY헤드라인M" panose="02030600000101010101" pitchFamily="18" charset="-127"/>
-                <a:ea typeface="HY헤드라인M" panose="02030600000101010101" pitchFamily="18" charset="-127"/>
-              </a:rPr>
-              <a:t>’</a:t>
-            </a:r>
-            <a:r>
-              <a:rPr lang="ko-KR" altLang="en-US" sz="1200" dirty="0">
-                <a:latin typeface="HY헤드라인M" panose="02030600000101010101" pitchFamily="18" charset="-127"/>
-                <a:ea typeface="HY헤드라인M" panose="02030600000101010101" pitchFamily="18" charset="-127"/>
-              </a:rPr>
-              <a:t>를 깨우려는 </a:t>
-            </a:r>
-            <a:r>
-              <a:rPr lang="en-US" altLang="ko-KR" sz="1200" dirty="0">
-                <a:solidFill>
-                  <a:srgbClr val="FF0000"/>
-                </a:solidFill>
-                <a:latin typeface="HY헤드라인M" panose="02030600000101010101" pitchFamily="18" charset="-127"/>
-                <a:ea typeface="HY헤드라인M" panose="02030600000101010101" pitchFamily="18" charset="-127"/>
-              </a:rPr>
-              <a:t>‘</a:t>
-            </a:r>
-            <a:r>
-              <a:rPr lang="ko-KR" altLang="en-US" sz="1200" dirty="0">
-                <a:solidFill>
-                  <a:srgbClr val="FF0000"/>
-                </a:solidFill>
-                <a:latin typeface="HY헤드라인M" panose="02030600000101010101" pitchFamily="18" charset="-127"/>
-                <a:ea typeface="HY헤드라인M" panose="02030600000101010101" pitchFamily="18" charset="-127"/>
-              </a:rPr>
-              <a:t>철수의 이성</a:t>
-            </a:r>
-            <a:r>
-              <a:rPr lang="en-US" altLang="ko-KR" sz="1200" dirty="0">
-                <a:solidFill>
-                  <a:srgbClr val="FF0000"/>
-                </a:solidFill>
-                <a:latin typeface="HY헤드라인M" panose="02030600000101010101" pitchFamily="18" charset="-127"/>
-                <a:ea typeface="HY헤드라인M" panose="02030600000101010101" pitchFamily="18" charset="-127"/>
-              </a:rPr>
-              <a:t>’</a:t>
-            </a:r>
-            <a:r>
-              <a:rPr lang="ko-KR" altLang="en-US" sz="1200" dirty="0">
-                <a:latin typeface="HY헤드라인M" panose="02030600000101010101" pitchFamily="18" charset="-127"/>
-                <a:ea typeface="HY헤드라인M" panose="02030600000101010101" pitchFamily="18" charset="-127"/>
-              </a:rPr>
-              <a:t>이 </a:t>
-            </a:r>
-            <a:r>
-              <a:rPr lang="en-US" altLang="ko-KR" sz="1200" dirty="0">
-                <a:solidFill>
-                  <a:srgbClr val="37366B"/>
-                </a:solidFill>
-                <a:latin typeface="HY헤드라인M" panose="02030600000101010101" pitchFamily="18" charset="-127"/>
-                <a:ea typeface="HY헤드라인M" panose="02030600000101010101" pitchFamily="18" charset="-127"/>
-              </a:rPr>
-              <a:t>‘</a:t>
-            </a:r>
-            <a:r>
-              <a:rPr lang="ko-KR" altLang="en-US" sz="1200" dirty="0">
-                <a:solidFill>
-                  <a:srgbClr val="37366B"/>
-                </a:solidFill>
-                <a:latin typeface="HY헤드라인M" panose="02030600000101010101" pitchFamily="18" charset="-127"/>
-                <a:ea typeface="HY헤드라인M" panose="02030600000101010101" pitchFamily="18" charset="-127"/>
-              </a:rPr>
-              <a:t>철수</a:t>
-            </a:r>
-            <a:r>
-              <a:rPr lang="en-US" altLang="ko-KR" sz="1200" dirty="0">
-                <a:solidFill>
-                  <a:srgbClr val="37366B"/>
-                </a:solidFill>
-                <a:latin typeface="HY헤드라인M" panose="02030600000101010101" pitchFamily="18" charset="-127"/>
-                <a:ea typeface="HY헤드라인M" panose="02030600000101010101" pitchFamily="18" charset="-127"/>
-              </a:rPr>
-              <a:t>’</a:t>
-            </a:r>
-            <a:r>
-              <a:rPr lang="ko-KR" altLang="en-US" sz="1200" dirty="0">
-                <a:latin typeface="HY헤드라인M" panose="02030600000101010101" pitchFamily="18" charset="-127"/>
-                <a:ea typeface="HY헤드라인M" panose="02030600000101010101" pitchFamily="18" charset="-127"/>
-              </a:rPr>
-              <a:t>를 공격하는데</a:t>
-            </a:r>
-            <a:r>
-              <a:rPr lang="en-US" altLang="ko-KR" sz="1200" dirty="0">
-                <a:latin typeface="HY헤드라인M" panose="02030600000101010101" pitchFamily="18" charset="-127"/>
-                <a:ea typeface="HY헤드라인M" panose="02030600000101010101" pitchFamily="18" charset="-127"/>
-              </a:rPr>
-              <a:t>!</a:t>
-            </a:r>
-          </a:p>
-          <a:p>
-            <a:pPr>
-              <a:lnSpc>
-                <a:spcPct val="150000"/>
-              </a:lnSpc>
-            </a:pPr>
-            <a:r>
-              <a:rPr lang="ko-KR" altLang="en-US" sz="1200" dirty="0">
-                <a:latin typeface="HY헤드라인M" panose="02030600000101010101" pitchFamily="18" charset="-127"/>
-                <a:ea typeface="HY헤드라인M" panose="02030600000101010101" pitchFamily="18" charset="-127"/>
-              </a:rPr>
-              <a:t>과연 철수는 </a:t>
-            </a:r>
-            <a:r>
-              <a:rPr lang="en-US" altLang="ko-KR" sz="1200" dirty="0">
-                <a:solidFill>
-                  <a:srgbClr val="C00000"/>
-                </a:solidFill>
-                <a:latin typeface="HY헤드라인M" panose="02030600000101010101" pitchFamily="18" charset="-127"/>
-                <a:ea typeface="HY헤드라인M" panose="02030600000101010101" pitchFamily="18" charset="-127"/>
-              </a:rPr>
-              <a:t>‘</a:t>
-            </a:r>
-            <a:r>
-              <a:rPr lang="ko-KR" altLang="en-US" sz="1200" dirty="0">
-                <a:solidFill>
-                  <a:srgbClr val="C00000"/>
-                </a:solidFill>
-                <a:latin typeface="HY헤드라인M" panose="02030600000101010101" pitchFamily="18" charset="-127"/>
-                <a:ea typeface="HY헤드라인M" panose="02030600000101010101" pitchFamily="18" charset="-127"/>
-              </a:rPr>
-              <a:t>이성</a:t>
-            </a:r>
-            <a:r>
-              <a:rPr lang="en-US" altLang="ko-KR" sz="1200" dirty="0">
-                <a:solidFill>
-                  <a:srgbClr val="C00000"/>
-                </a:solidFill>
-                <a:latin typeface="HY헤드라인M" panose="02030600000101010101" pitchFamily="18" charset="-127"/>
-                <a:ea typeface="HY헤드라인M" panose="02030600000101010101" pitchFamily="18" charset="-127"/>
-              </a:rPr>
-              <a:t>’</a:t>
-            </a:r>
-            <a:r>
-              <a:rPr lang="ko-KR" altLang="en-US" sz="1200" dirty="0">
-                <a:solidFill>
-                  <a:srgbClr val="C00000"/>
-                </a:solidFill>
-                <a:latin typeface="HY헤드라인M" panose="02030600000101010101" pitchFamily="18" charset="-127"/>
-                <a:ea typeface="HY헤드라인M" panose="02030600000101010101" pitchFamily="18" charset="-127"/>
-              </a:rPr>
-              <a:t>의 공격을 피해 </a:t>
-            </a:r>
-            <a:r>
-              <a:rPr lang="ko-KR" altLang="en-US" sz="1200" dirty="0">
-                <a:solidFill>
-                  <a:schemeClr val="accent1"/>
-                </a:solidFill>
-                <a:latin typeface="HY헤드라인M" panose="02030600000101010101" pitchFamily="18" charset="-127"/>
-                <a:ea typeface="HY헤드라인M" panose="02030600000101010101" pitchFamily="18" charset="-127"/>
-              </a:rPr>
-              <a:t>깊은 잠</a:t>
-            </a:r>
-            <a:r>
-              <a:rPr lang="ko-KR" altLang="en-US" sz="1200" dirty="0">
-                <a:latin typeface="HY헤드라인M" panose="02030600000101010101" pitchFamily="18" charset="-127"/>
-                <a:ea typeface="HY헤드라인M" panose="02030600000101010101" pitchFamily="18" charset="-127"/>
-              </a:rPr>
-              <a:t>을 잘 수 있을 것 인가</a:t>
-            </a:r>
-            <a:r>
-              <a:rPr lang="en-US" altLang="ko-KR" sz="1200" dirty="0">
-                <a:latin typeface="HY헤드라인M" panose="02030600000101010101" pitchFamily="18" charset="-127"/>
-                <a:ea typeface="HY헤드라인M" panose="02030600000101010101" pitchFamily="18" charset="-127"/>
-              </a:rPr>
-              <a:t>!</a:t>
-            </a:r>
-            <a:endParaRPr lang="ko-KR" altLang="en-US" sz="1200" dirty="0">
+              <a:t>: STRIKERS)</a:t>
+            </a:r>
+            <a:endParaRPr lang="ko-KR" altLang="en-US" sz="1400" dirty="0">
               <a:latin typeface="HY헤드라인M" panose="02030600000101010101" pitchFamily="18" charset="-127"/>
               <a:ea typeface="HY헤드라인M" panose="02030600000101010101" pitchFamily="18" charset="-127"/>
             </a:endParaRPr>
@@ -4613,10 +4411,10 @@
       </p:sp>
       <p:sp>
         <p:nvSpPr>
-          <p:cNvPr id="6" name="사각형: 둥근 모서리 5">
-            <a:extLst>
-              <a:ext uri="{FF2B5EF4-FFF2-40B4-BE49-F238E27FC236}">
-                <a16:creationId xmlns:a16="http://schemas.microsoft.com/office/drawing/2014/main" id="{BF8F5B2F-6976-4062-B8BC-119E7CB035A4}"/>
+          <p:cNvPr id="11" name="사각형: 둥근 모서리 10">
+            <a:extLst>
+              <a:ext uri="{FF2B5EF4-FFF2-40B4-BE49-F238E27FC236}">
+                <a16:creationId xmlns:a16="http://schemas.microsoft.com/office/drawing/2014/main" id="{A9BD34A7-E681-4DB9-9473-168084454316}"/>
               </a:ext>
             </a:extLst>
           </p:cNvPr>
@@ -4625,7 +4423,7 @@
         </p:nvSpPr>
         <p:spPr>
           <a:xfrm>
-            <a:off x="625679" y="4460690"/>
+            <a:off x="6064161" y="3057835"/>
             <a:ext cx="1143085" cy="369332"/>
           </a:xfrm>
           <a:prstGeom prst="roundRect">
@@ -4670,104 +4468,17 @@
                 <a:latin typeface="HY헤드라인M" panose="02030600000101010101" pitchFamily="18" charset="-127"/>
                 <a:ea typeface="HY헤드라인M" panose="02030600000101010101" pitchFamily="18" charset="-127"/>
               </a:rPr>
-              <a:t>스토리</a:t>
-            </a:r>
-          </a:p>
-        </p:txBody>
-      </p:sp>
-      <p:sp>
-        <p:nvSpPr>
-          <p:cNvPr id="3" name="날짜 개체 틀 2">
-            <a:extLst>
-              <a:ext uri="{FF2B5EF4-FFF2-40B4-BE49-F238E27FC236}">
-                <a16:creationId xmlns:a16="http://schemas.microsoft.com/office/drawing/2014/main" id="{B706962F-2795-4034-BF73-58ED69C404E9}"/>
-              </a:ext>
-            </a:extLst>
-          </p:cNvPr>
-          <p:cNvSpPr>
-            <a:spLocks noGrp="1"/>
-          </p:cNvSpPr>
-          <p:nvPr>
-            <p:ph type="dt" sz="half" idx="10"/>
-          </p:nvPr>
-        </p:nvSpPr>
-        <p:spPr/>
-        <p:txBody>
-          <a:bodyPr/>
-          <a:lstStyle/>
-          <a:p>
-            <a:fld id="{6EA02CB2-D1B6-454C-9933-6A06D02D20EB}" type="datetime1">
-              <a:rPr lang="ko-KR" altLang="en-US" smtClean="0"/>
-              <a:t>2018-11-05</a:t>
-            </a:fld>
-            <a:endParaRPr lang="ko-KR" altLang="en-US" dirty="0"/>
-          </a:p>
-        </p:txBody>
-      </p:sp>
-      <p:sp>
-        <p:nvSpPr>
-          <p:cNvPr id="5" name="바닥글 개체 틀 4">
-            <a:extLst>
-              <a:ext uri="{FF2B5EF4-FFF2-40B4-BE49-F238E27FC236}">
-                <a16:creationId xmlns:a16="http://schemas.microsoft.com/office/drawing/2014/main" id="{9F4CC70B-A916-4E97-ACB9-AE6810E5BEBB}"/>
-              </a:ext>
-            </a:extLst>
-          </p:cNvPr>
-          <p:cNvSpPr>
-            <a:spLocks noGrp="1"/>
-          </p:cNvSpPr>
-          <p:nvPr>
-            <p:ph type="ftr" sz="quarter" idx="11"/>
-          </p:nvPr>
-        </p:nvSpPr>
-        <p:spPr/>
-        <p:txBody>
-          <a:bodyPr/>
-          <a:lstStyle/>
-          <a:p>
-            <a:r>
-              <a:rPr lang="en-US" altLang="ko-KR"/>
-              <a:t>2018-2DGP Paper☆Dream</a:t>
-            </a:r>
-            <a:endParaRPr lang="ko-KR" altLang="en-US"/>
-          </a:p>
-        </p:txBody>
-      </p:sp>
-      <p:sp>
-        <p:nvSpPr>
-          <p:cNvPr id="7" name="슬라이드 번호 개체 틀 6">
-            <a:extLst>
-              <a:ext uri="{FF2B5EF4-FFF2-40B4-BE49-F238E27FC236}">
-                <a16:creationId xmlns:a16="http://schemas.microsoft.com/office/drawing/2014/main" id="{23D5176C-6CFD-416C-AB30-B4B98903CB92}"/>
-              </a:ext>
-            </a:extLst>
-          </p:cNvPr>
-          <p:cNvSpPr>
-            <a:spLocks noGrp="1"/>
-          </p:cNvSpPr>
-          <p:nvPr>
-            <p:ph type="sldNum" sz="quarter" idx="12"/>
-          </p:nvPr>
-        </p:nvSpPr>
-        <p:spPr/>
-        <p:txBody>
-          <a:bodyPr/>
-          <a:lstStyle/>
-          <a:p>
-            <a:fld id="{9328E776-570F-41AB-B2B8-27820CFE649A}" type="slidenum">
-              <a:rPr lang="ko-KR" altLang="en-US" smtClean="0"/>
-              <a:t>2</a:t>
-            </a:fld>
-            <a:endParaRPr lang="ko-KR" altLang="en-US"/>
-          </a:p>
-        </p:txBody>
-      </p:sp>
-      <p:sp>
-        <p:nvSpPr>
-          <p:cNvPr id="9" name="TextBox 8">
-            <a:extLst>
-              <a:ext uri="{FF2B5EF4-FFF2-40B4-BE49-F238E27FC236}">
-                <a16:creationId xmlns:a16="http://schemas.microsoft.com/office/drawing/2014/main" id="{863C5938-B080-46E6-A35F-4800A473740A}"/>
+              <a:t>장르</a:t>
+            </a:r>
+          </a:p>
+        </p:txBody>
+      </p:sp>
+      <p:sp>
+        <p:nvSpPr>
+          <p:cNvPr id="15" name="TextBox 14">
+            <a:extLst>
+              <a:ext uri="{FF2B5EF4-FFF2-40B4-BE49-F238E27FC236}">
+                <a16:creationId xmlns:a16="http://schemas.microsoft.com/office/drawing/2014/main" id="{E79CFDC8-6E87-4672-9A7B-F30C73371031}"/>
               </a:ext>
             </a:extLst>
           </p:cNvPr>
@@ -4776,8 +4487,8 @@
         </p:nvSpPr>
         <p:spPr>
           <a:xfrm>
-            <a:off x="1805815" y="2280474"/>
-            <a:ext cx="4022255" cy="365165"/>
+            <a:off x="7244297" y="2437320"/>
+            <a:ext cx="1569660" cy="461665"/>
           </a:xfrm>
           <a:prstGeom prst="rect">
             <a:avLst/>
@@ -4796,60 +4507,43 @@
               </a:lnSpc>
             </a:pPr>
             <a:r>
-              <a:rPr lang="ko-KR" altLang="en-US" sz="1400" dirty="0">
-                <a:latin typeface="HY헤드라인M" panose="02030600000101010101" pitchFamily="18" charset="-127"/>
-                <a:ea typeface="HY헤드라인M" panose="02030600000101010101" pitchFamily="18" charset="-127"/>
+              <a:rPr lang="en-US" altLang="ko-KR" dirty="0">
+                <a:latin typeface="THE외계인설명서" panose="02020503020101020101" pitchFamily="18" charset="-127"/>
+                <a:ea typeface="THE외계인설명서" panose="02020503020101020101" pitchFamily="18" charset="-127"/>
+                <a:cs typeface="THE외계인설명서" panose="02020503020101020101" pitchFamily="18" charset="-127"/>
               </a:rPr>
-              <a:t>탄막 </a:t>
-            </a:r>
-            <a:r>
-              <a:rPr lang="en-US" altLang="ko-KR" sz="1400" dirty="0">
-                <a:latin typeface="HY헤드라인M" panose="02030600000101010101" pitchFamily="18" charset="-127"/>
-                <a:ea typeface="HY헤드라인M" panose="02030600000101010101" pitchFamily="18" charset="-127"/>
+              <a:t>Paper</a:t>
+            </a:r>
+            <a:r>
+              <a:rPr lang="ko-KR" altLang="en-US" dirty="0">
+                <a:latin typeface="THE외계인설명서" panose="02020503020101020101" pitchFamily="18" charset="-127"/>
+                <a:ea typeface="THE외계인설명서" panose="02020503020101020101" pitchFamily="18" charset="-127"/>
+                <a:cs typeface="THE외계인설명서" panose="02020503020101020101" pitchFamily="18" charset="-127"/>
               </a:rPr>
-              <a:t>+ 2D </a:t>
-            </a:r>
-            <a:r>
-              <a:rPr lang="ko-KR" altLang="en-US" sz="1400" dirty="0">
-                <a:latin typeface="HY헤드라인M" panose="02030600000101010101" pitchFamily="18" charset="-127"/>
-                <a:ea typeface="HY헤드라인M" panose="02030600000101010101" pitchFamily="18" charset="-127"/>
+              <a:t>☆</a:t>
+            </a:r>
+            <a:r>
+              <a:rPr lang="en-US" altLang="ko-KR" dirty="0">
+                <a:latin typeface="THE외계인설명서" panose="02020503020101020101" pitchFamily="18" charset="-127"/>
+                <a:ea typeface="THE외계인설명서" panose="02020503020101020101" pitchFamily="18" charset="-127"/>
+                <a:cs typeface="THE외계인설명서" panose="02020503020101020101" pitchFamily="18" charset="-127"/>
               </a:rPr>
-              <a:t>종 스크롤 게임 </a:t>
-            </a:r>
-            <a:r>
-              <a:rPr lang="en-US" altLang="ko-KR" sz="1400" dirty="0">
-                <a:latin typeface="HY헤드라인M" panose="02030600000101010101" pitchFamily="18" charset="-127"/>
-                <a:ea typeface="HY헤드라인M" panose="02030600000101010101" pitchFamily="18" charset="-127"/>
-              </a:rPr>
-              <a:t>(</a:t>
-            </a:r>
-            <a:r>
-              <a:rPr lang="ko-KR" altLang="en-US" sz="1400" dirty="0">
-                <a:latin typeface="HY헤드라인M" panose="02030600000101010101" pitchFamily="18" charset="-127"/>
-                <a:ea typeface="HY헤드라인M" panose="02030600000101010101" pitchFamily="18" charset="-127"/>
-              </a:rPr>
-              <a:t>유사 게임</a:t>
-            </a:r>
-            <a:r>
-              <a:rPr lang="en-US" altLang="ko-KR" sz="1400" dirty="0">
-                <a:latin typeface="HY헤드라인M" panose="02030600000101010101" pitchFamily="18" charset="-127"/>
-                <a:ea typeface="HY헤드라인M" panose="02030600000101010101" pitchFamily="18" charset="-127"/>
-              </a:rPr>
-              <a:t>: STRIKERS)</a:t>
-            </a:r>
-            <a:endParaRPr lang="ko-KR" altLang="en-US" sz="1400" dirty="0">
-              <a:latin typeface="HY헤드라인M" panose="02030600000101010101" pitchFamily="18" charset="-127"/>
-              <a:ea typeface="HY헤드라인M" panose="02030600000101010101" pitchFamily="18" charset="-127"/>
+              <a:t>Dream</a:t>
+            </a:r>
+            <a:endParaRPr lang="ko-KR" altLang="en-US" dirty="0">
+              <a:latin typeface="THE외계인설명서" panose="02020503020101020101" pitchFamily="18" charset="-127"/>
+              <a:ea typeface="THE외계인설명서" panose="02020503020101020101" pitchFamily="18" charset="-127"/>
+              <a:cs typeface="THE외계인설명서" panose="02020503020101020101" pitchFamily="18" charset="-127"/>
             </a:endParaRPr>
           </a:p>
         </p:txBody>
       </p:sp>
       <p:sp>
         <p:nvSpPr>
-          <p:cNvPr id="11" name="사각형: 둥근 모서리 10">
-            <a:extLst>
-              <a:ext uri="{FF2B5EF4-FFF2-40B4-BE49-F238E27FC236}">
-                <a16:creationId xmlns:a16="http://schemas.microsoft.com/office/drawing/2014/main" id="{A9BD34A7-E681-4DB9-9473-168084454316}"/>
+          <p:cNvPr id="16" name="사각형: 둥근 모서리 15">
+            <a:extLst>
+              <a:ext uri="{FF2B5EF4-FFF2-40B4-BE49-F238E27FC236}">
+                <a16:creationId xmlns:a16="http://schemas.microsoft.com/office/drawing/2014/main" id="{14EAC522-CBB7-478B-8B2C-75AEAD28D85A}"/>
               </a:ext>
             </a:extLst>
           </p:cNvPr>
@@ -4858,7 +4552,7 @@
         </p:nvSpPr>
         <p:spPr>
           <a:xfrm>
-            <a:off x="625679" y="2280474"/>
+            <a:off x="6064161" y="2469404"/>
             <a:ext cx="1143085" cy="369332"/>
           </a:xfrm>
           <a:prstGeom prst="roundRect">
@@ -4903,127 +4597,81 @@
                 <a:latin typeface="HY헤드라인M" panose="02030600000101010101" pitchFamily="18" charset="-127"/>
                 <a:ea typeface="HY헤드라인M" panose="02030600000101010101" pitchFamily="18" charset="-127"/>
               </a:rPr>
-              <a:t>장르</a:t>
-            </a:r>
-          </a:p>
-        </p:txBody>
-      </p:sp>
-      <p:pic>
-        <p:nvPicPr>
-          <p:cNvPr id="14" name="그림 13" descr="실내이(가) 표시된 사진&#10;&#10;높은 신뢰도로 생성된 설명">
-            <a:extLst>
-              <a:ext uri="{FF2B5EF4-FFF2-40B4-BE49-F238E27FC236}">
-                <a16:creationId xmlns:a16="http://schemas.microsoft.com/office/drawing/2014/main" id="{3D1406C3-3840-405C-B7B5-35406C844E63}"/>
-              </a:ext>
-            </a:extLst>
-          </p:cNvPr>
-          <p:cNvPicPr>
-            <a:picLocks noChangeAspect="1"/>
-          </p:cNvPicPr>
+              <a:t>게임 제목</a:t>
+            </a:r>
+          </a:p>
+        </p:txBody>
+      </p:sp>
+      <p:sp>
+        <p:nvSpPr>
+          <p:cNvPr id="33" name="직사각형 32">
+            <a:extLst>
+              <a:ext uri="{FF2B5EF4-FFF2-40B4-BE49-F238E27FC236}">
+                <a16:creationId xmlns:a16="http://schemas.microsoft.com/office/drawing/2014/main" id="{D65F202C-5F88-4206-BF0A-931D0C51ABCB}"/>
+              </a:ext>
+            </a:extLst>
+          </p:cNvPr>
+          <p:cNvSpPr/>
           <p:nvPr/>
-        </p:nvPicPr>
-        <p:blipFill>
-          <a:blip r:embed="rId3">
-            <a:extLst>
-              <a:ext uri="{28A0092B-C50C-407E-A947-70E740481C1C}">
-                <a14:useLocalDpi xmlns:a14="http://schemas.microsoft.com/office/drawing/2010/main" val="0"/>
-              </a:ext>
-            </a:extLst>
-          </a:blip>
-          <a:stretch>
-            <a:fillRect/>
-          </a:stretch>
-        </p:blipFill>
+        </p:nvSpPr>
         <p:spPr>
           <a:xfrm>
-            <a:off x="9218918" y="1001768"/>
-            <a:ext cx="1870085" cy="3326237"/>
+            <a:off x="6546125" y="3479234"/>
+            <a:ext cx="4756558" cy="556637"/>
           </a:xfrm>
           <a:prstGeom prst="rect">
             <a:avLst/>
           </a:prstGeom>
+          <a:solidFill>
+            <a:schemeClr val="accent4">
+              <a:lumMod val="20000"/>
+              <a:lumOff val="80000"/>
+            </a:schemeClr>
+          </a:solidFill>
+          <a:ln>
+            <a:noFill/>
+          </a:ln>
         </p:spPr>
-      </p:pic>
-      <p:sp>
-        <p:nvSpPr>
-          <p:cNvPr id="15" name="TextBox 14">
-            <a:extLst>
-              <a:ext uri="{FF2B5EF4-FFF2-40B4-BE49-F238E27FC236}">
-                <a16:creationId xmlns:a16="http://schemas.microsoft.com/office/drawing/2014/main" id="{E79CFDC8-6E87-4672-9A7B-F30C73371031}"/>
-              </a:ext>
-            </a:extLst>
-          </p:cNvPr>
-          <p:cNvSpPr txBox="1"/>
+        <p:style>
+          <a:lnRef idx="2">
+            <a:schemeClr val="accent1">
+              <a:shade val="50000"/>
+            </a:schemeClr>
+          </a:lnRef>
+          <a:fillRef idx="1">
+            <a:schemeClr val="accent1"/>
+          </a:fillRef>
+          <a:effectRef idx="0">
+            <a:schemeClr val="accent1"/>
+          </a:effectRef>
+          <a:fontRef idx="minor">
+            <a:schemeClr val="lt1"/>
+          </a:fontRef>
+        </p:style>
+        <p:txBody>
+          <a:bodyPr rtlCol="0" anchor="ctr"/>
+          <a:lstStyle/>
+          <a:p>
+            <a:pPr algn="ctr"/>
+            <a:endParaRPr lang="ko-KR" altLang="en-US"/>
+          </a:p>
+        </p:txBody>
+      </p:sp>
+      <p:sp>
+        <p:nvSpPr>
+          <p:cNvPr id="20" name="사각형: 둥근 모서리 19">
+            <a:extLst>
+              <a:ext uri="{FF2B5EF4-FFF2-40B4-BE49-F238E27FC236}">
+                <a16:creationId xmlns:a16="http://schemas.microsoft.com/office/drawing/2014/main" id="{8D958CC9-667D-4E3A-89F4-4CB604E3C4B2}"/>
+              </a:ext>
+            </a:extLst>
+          </p:cNvPr>
+          <p:cNvSpPr/>
           <p:nvPr/>
         </p:nvSpPr>
         <p:spPr>
           <a:xfrm>
-            <a:off x="1805815" y="1659959"/>
-            <a:ext cx="1569660" cy="461665"/>
-          </a:xfrm>
-          <a:prstGeom prst="rect">
-            <a:avLst/>
-          </a:prstGeom>
-          <a:noFill/>
-        </p:spPr>
-        <p:txBody>
-          <a:bodyPr wrap="none" rtlCol="0">
-            <a:spAutoFit/>
-          </a:bodyPr>
-          <a:lstStyle/>
-          <a:p>
-            <a:pPr>
-              <a:lnSpc>
-                <a:spcPct val="150000"/>
-              </a:lnSpc>
-            </a:pPr>
-            <a:r>
-              <a:rPr lang="en-US" altLang="ko-KR" dirty="0">
-                <a:latin typeface="THE외계인설명서" panose="02020503020101020101" pitchFamily="18" charset="-127"/>
-                <a:ea typeface="THE외계인설명서" panose="02020503020101020101" pitchFamily="18" charset="-127"/>
-                <a:cs typeface="THE외계인설명서" panose="02020503020101020101" pitchFamily="18" charset="-127"/>
-              </a:rPr>
-              <a:t>Paper</a:t>
-            </a:r>
-            <a:r>
-              <a:rPr lang="ko-KR" altLang="en-US" dirty="0">
-                <a:latin typeface="THE외계인설명서" panose="02020503020101020101" pitchFamily="18" charset="-127"/>
-                <a:ea typeface="THE외계인설명서" panose="02020503020101020101" pitchFamily="18" charset="-127"/>
-                <a:cs typeface="THE외계인설명서" panose="02020503020101020101" pitchFamily="18" charset="-127"/>
-              </a:rPr>
-              <a:t>☆</a:t>
-            </a:r>
-            <a:r>
-              <a:rPr lang="en-US" altLang="ko-KR" dirty="0">
-                <a:latin typeface="THE외계인설명서" panose="02020503020101020101" pitchFamily="18" charset="-127"/>
-                <a:ea typeface="THE외계인설명서" panose="02020503020101020101" pitchFamily="18" charset="-127"/>
-                <a:cs typeface="THE외계인설명서" panose="02020503020101020101" pitchFamily="18" charset="-127"/>
-              </a:rPr>
-              <a:t>Dream</a:t>
-            </a:r>
-            <a:endParaRPr lang="ko-KR" altLang="en-US" dirty="0">
-              <a:latin typeface="THE외계인설명서" panose="02020503020101020101" pitchFamily="18" charset="-127"/>
-              <a:ea typeface="THE외계인설명서" panose="02020503020101020101" pitchFamily="18" charset="-127"/>
-              <a:cs typeface="THE외계인설명서" panose="02020503020101020101" pitchFamily="18" charset="-127"/>
-            </a:endParaRPr>
-          </a:p>
-        </p:txBody>
-      </p:sp>
-      <p:sp>
-        <p:nvSpPr>
-          <p:cNvPr id="16" name="사각형: 둥근 모서리 15">
-            <a:extLst>
-              <a:ext uri="{FF2B5EF4-FFF2-40B4-BE49-F238E27FC236}">
-                <a16:creationId xmlns:a16="http://schemas.microsoft.com/office/drawing/2014/main" id="{14EAC522-CBB7-478B-8B2C-75AEAD28D85A}"/>
-              </a:ext>
-            </a:extLst>
-          </p:cNvPr>
-          <p:cNvSpPr/>
-          <p:nvPr/>
-        </p:nvSpPr>
-        <p:spPr>
-          <a:xfrm>
-            <a:off x="625679" y="1692043"/>
+            <a:off x="6064158" y="4095771"/>
             <a:ext cx="1143085" cy="369332"/>
           </a:xfrm>
           <a:prstGeom prst="roundRect">
@@ -5068,17 +4716,17 @@
                 <a:latin typeface="HY헤드라인M" panose="02030600000101010101" pitchFamily="18" charset="-127"/>
                 <a:ea typeface="HY헤드라인M" panose="02030600000101010101" pitchFamily="18" charset="-127"/>
               </a:rPr>
-              <a:t>게임 제목</a:t>
-            </a:r>
-          </a:p>
-        </p:txBody>
-      </p:sp>
-      <p:sp>
-        <p:nvSpPr>
-          <p:cNvPr id="17" name="TextBox 16">
-            <a:extLst>
-              <a:ext uri="{FF2B5EF4-FFF2-40B4-BE49-F238E27FC236}">
-                <a16:creationId xmlns:a16="http://schemas.microsoft.com/office/drawing/2014/main" id="{AA5ABC03-E2B7-4FE5-9C4A-2E008102DC91}"/>
+              <a:t>플레이</a:t>
+            </a:r>
+          </a:p>
+        </p:txBody>
+      </p:sp>
+      <p:sp>
+        <p:nvSpPr>
+          <p:cNvPr id="21" name="TextBox 20">
+            <a:extLst>
+              <a:ext uri="{FF2B5EF4-FFF2-40B4-BE49-F238E27FC236}">
+                <a16:creationId xmlns:a16="http://schemas.microsoft.com/office/drawing/2014/main" id="{E66DEADD-C2B1-4D08-B1BA-23913CC78705}"/>
               </a:ext>
             </a:extLst>
           </p:cNvPr>
@@ -5087,8 +4735,8 @@
         </p:nvSpPr>
         <p:spPr>
           <a:xfrm>
-            <a:off x="1805815" y="5544935"/>
-            <a:ext cx="4929555" cy="365165"/>
+            <a:off x="7244297" y="4035122"/>
+            <a:ext cx="3810659" cy="1274195"/>
           </a:xfrm>
           <a:prstGeom prst="rect">
             <a:avLst/>
@@ -5107,55 +4755,127 @@
               </a:lnSpc>
             </a:pPr>
             <a:r>
-              <a:rPr lang="ko-KR" altLang="en-US" sz="1400" dirty="0">
-                <a:latin typeface="HY헤드라인M" panose="02030600000101010101" pitchFamily="18" charset="-127"/>
-                <a:ea typeface="HY헤드라인M" panose="02030600000101010101" pitchFamily="18" charset="-127"/>
-              </a:rPr>
-              <a:t>종이 공책 텍스처 </a:t>
-            </a:r>
-            <a:r>
-              <a:rPr lang="en-US" altLang="ko-KR" sz="1400" dirty="0">
-                <a:latin typeface="HY헤드라인M" panose="02030600000101010101" pitchFamily="18" charset="-127"/>
-                <a:ea typeface="HY헤드라인M" panose="02030600000101010101" pitchFamily="18" charset="-127"/>
-              </a:rPr>
-              <a:t>+ </a:t>
-            </a:r>
-            <a:r>
-              <a:rPr lang="ko-KR" altLang="en-US" sz="1400" dirty="0">
-                <a:latin typeface="HY헤드라인M" panose="02030600000101010101" pitchFamily="18" charset="-127"/>
-                <a:ea typeface="HY헤드라인M" panose="02030600000101010101" pitchFamily="18" charset="-127"/>
-              </a:rPr>
-              <a:t>파스텔 톤의 수채화풍 그래픽</a:t>
-            </a:r>
-            <a:r>
-              <a:rPr lang="en-US" altLang="ko-KR" sz="1400" dirty="0">
-                <a:latin typeface="HY헤드라인M" panose="02030600000101010101" pitchFamily="18" charset="-127"/>
-                <a:ea typeface="HY헤드라인M" panose="02030600000101010101" pitchFamily="18" charset="-127"/>
-              </a:rPr>
-              <a:t>, </a:t>
-            </a:r>
-            <a:r>
-              <a:rPr lang="ko-KR" altLang="en-US" sz="1400" dirty="0">
+              <a:rPr lang="ko-KR" altLang="en-US" dirty="0">
                 <a:solidFill>
-                  <a:schemeClr val="tx1">
-                    <a:lumMod val="50000"/>
-                    <a:lumOff val="50000"/>
-                  </a:schemeClr>
+                  <a:srgbClr val="37366B"/>
                 </a:solidFill>
                 <a:latin typeface="HY헤드라인M" panose="02030600000101010101" pitchFamily="18" charset="-127"/>
                 <a:ea typeface="HY헤드라인M" panose="02030600000101010101" pitchFamily="18" charset="-127"/>
               </a:rPr>
-              <a:t>자체제작</a:t>
-            </a:r>
-          </a:p>
-        </p:txBody>
-      </p:sp>
-      <p:sp>
-        <p:nvSpPr>
-          <p:cNvPr id="18" name="사각형: 둥근 모서리 17">
-            <a:extLst>
-              <a:ext uri="{FF2B5EF4-FFF2-40B4-BE49-F238E27FC236}">
-                <a16:creationId xmlns:a16="http://schemas.microsoft.com/office/drawing/2014/main" id="{E79CD525-BD3E-4F6B-8CA9-8DA7D7A3CA21}"/>
+              <a:t>주인공을 컨트롤 </a:t>
+            </a:r>
+            <a:r>
+              <a:rPr lang="ko-KR" altLang="en-US" dirty="0">
+                <a:latin typeface="HY헤드라인M" panose="02030600000101010101" pitchFamily="18" charset="-127"/>
+                <a:ea typeface="HY헤드라인M" panose="02030600000101010101" pitchFamily="18" charset="-127"/>
+              </a:rPr>
+              <a:t>해서 </a:t>
+            </a:r>
+            <a:r>
+              <a:rPr lang="en-US" altLang="ko-KR" dirty="0">
+                <a:latin typeface="HY헤드라인M" panose="02030600000101010101" pitchFamily="18" charset="-127"/>
+                <a:ea typeface="HY헤드라인M" panose="02030600000101010101" pitchFamily="18" charset="-127"/>
+              </a:rPr>
+              <a:t>-&gt; </a:t>
+            </a:r>
+            <a:r>
+              <a:rPr lang="ko-KR" altLang="en-US" dirty="0">
+                <a:solidFill>
+                  <a:srgbClr val="37366B"/>
+                </a:solidFill>
+                <a:latin typeface="HY헤드라인M" panose="02030600000101010101" pitchFamily="18" charset="-127"/>
+                <a:ea typeface="HY헤드라인M" panose="02030600000101010101" pitchFamily="18" charset="-127"/>
+              </a:rPr>
+              <a:t>플레이어</a:t>
+            </a:r>
+            <a:endParaRPr lang="en-US" altLang="ko-KR" dirty="0">
+              <a:solidFill>
+                <a:srgbClr val="37366B"/>
+              </a:solidFill>
+              <a:latin typeface="HY헤드라인M" panose="02030600000101010101" pitchFamily="18" charset="-127"/>
+              <a:ea typeface="HY헤드라인M" panose="02030600000101010101" pitchFamily="18" charset="-127"/>
+            </a:endParaRPr>
+          </a:p>
+          <a:p>
+            <a:pPr>
+              <a:lnSpc>
+                <a:spcPct val="150000"/>
+              </a:lnSpc>
+            </a:pPr>
+            <a:r>
+              <a:rPr lang="ko-KR" altLang="en-US" dirty="0">
+                <a:solidFill>
+                  <a:srgbClr val="C00000"/>
+                </a:solidFill>
+                <a:latin typeface="HY헤드라인M" panose="02030600000101010101" pitchFamily="18" charset="-127"/>
+                <a:ea typeface="HY헤드라인M" panose="02030600000101010101" pitchFamily="18" charset="-127"/>
+              </a:rPr>
+              <a:t>장애물이 쏘는 포탄</a:t>
+            </a:r>
+            <a:r>
+              <a:rPr lang="ko-KR" altLang="en-US" dirty="0">
+                <a:latin typeface="HY헤드라인M" panose="02030600000101010101" pitchFamily="18" charset="-127"/>
+                <a:ea typeface="HY헤드라인M" panose="02030600000101010101" pitchFamily="18" charset="-127"/>
+              </a:rPr>
+              <a:t> 피해서</a:t>
+            </a:r>
+            <a:endParaRPr lang="en-US" altLang="ko-KR" dirty="0">
+              <a:solidFill>
+                <a:srgbClr val="C00000"/>
+              </a:solidFill>
+              <a:latin typeface="HY헤드라인M" panose="02030600000101010101" pitchFamily="18" charset="-127"/>
+              <a:ea typeface="HY헤드라인M" panose="02030600000101010101" pitchFamily="18" charset="-127"/>
+            </a:endParaRPr>
+          </a:p>
+          <a:p>
+            <a:pPr>
+              <a:lnSpc>
+                <a:spcPct val="150000"/>
+              </a:lnSpc>
+            </a:pPr>
+            <a:r>
+              <a:rPr lang="ko-KR" altLang="en-US" dirty="0">
+                <a:solidFill>
+                  <a:schemeClr val="accent1"/>
+                </a:solidFill>
+                <a:latin typeface="HY헤드라인M" panose="02030600000101010101" pitchFamily="18" charset="-127"/>
+                <a:ea typeface="HY헤드라인M" panose="02030600000101010101" pitchFamily="18" charset="-127"/>
+              </a:rPr>
+              <a:t>깊은 잠 게이지</a:t>
+            </a:r>
+            <a:r>
+              <a:rPr lang="ko-KR" altLang="en-US" dirty="0">
+                <a:latin typeface="HY헤드라인M" panose="02030600000101010101" pitchFamily="18" charset="-127"/>
+                <a:ea typeface="HY헤드라인M" panose="02030600000101010101" pitchFamily="18" charset="-127"/>
+              </a:rPr>
+              <a:t>를 채우자 </a:t>
+            </a:r>
+            <a:r>
+              <a:rPr lang="en-US" altLang="ko-KR" dirty="0">
+                <a:latin typeface="HY헤드라인M" panose="02030600000101010101" pitchFamily="18" charset="-127"/>
+                <a:ea typeface="HY헤드라인M" panose="02030600000101010101" pitchFamily="18" charset="-127"/>
+              </a:rPr>
+              <a:t>-&gt; </a:t>
+            </a:r>
+            <a:r>
+              <a:rPr lang="ko-KR" altLang="en-US" dirty="0">
+                <a:solidFill>
+                  <a:schemeClr val="accent1"/>
+                </a:solidFill>
+                <a:latin typeface="HY헤드라인M" panose="02030600000101010101" pitchFamily="18" charset="-127"/>
+                <a:ea typeface="HY헤드라인M" panose="02030600000101010101" pitchFamily="18" charset="-127"/>
+              </a:rPr>
+              <a:t>클리어</a:t>
+            </a:r>
+          </a:p>
+        </p:txBody>
+      </p:sp>
+      <p:sp>
+        <p:nvSpPr>
+          <p:cNvPr id="22" name="사각형: 둥근 모서리 21">
+            <a:extLst>
+              <a:ext uri="{FF2B5EF4-FFF2-40B4-BE49-F238E27FC236}">
+                <a16:creationId xmlns:a16="http://schemas.microsoft.com/office/drawing/2014/main" id="{E0431238-BE0E-43AD-901F-2A15BB812512}"/>
               </a:ext>
             </a:extLst>
           </p:cNvPr>
@@ -5164,7 +4884,7 @@
         </p:nvSpPr>
         <p:spPr>
           <a:xfrm>
-            <a:off x="625679" y="5544935"/>
+            <a:off x="6064159" y="3553649"/>
             <a:ext cx="1143085" cy="369332"/>
           </a:xfrm>
           <a:prstGeom prst="roundRect">
@@ -5209,17 +4929,106 @@
                 <a:latin typeface="HY헤드라인M" panose="02030600000101010101" pitchFamily="18" charset="-127"/>
                 <a:ea typeface="HY헤드라인M" panose="02030600000101010101" pitchFamily="18" charset="-127"/>
               </a:rPr>
-              <a:t>그래픽</a:t>
-            </a:r>
+              <a:t>컨트롤</a:t>
+            </a:r>
+          </a:p>
+        </p:txBody>
+      </p:sp>
+      <p:sp>
+        <p:nvSpPr>
+          <p:cNvPr id="23" name="TextBox 22">
+            <a:extLst>
+              <a:ext uri="{FF2B5EF4-FFF2-40B4-BE49-F238E27FC236}">
+                <a16:creationId xmlns:a16="http://schemas.microsoft.com/office/drawing/2014/main" id="{A0FDE3A2-1323-45EB-8598-1F499B105586}"/>
+              </a:ext>
+            </a:extLst>
+          </p:cNvPr>
+          <p:cNvSpPr txBox="1"/>
+          <p:nvPr/>
+        </p:nvSpPr>
+        <p:spPr>
+          <a:xfrm>
+            <a:off x="7244297" y="3536151"/>
+            <a:ext cx="2464136" cy="365165"/>
+          </a:xfrm>
+          <a:prstGeom prst="rect">
+            <a:avLst/>
+          </a:prstGeom>
+          <a:noFill/>
+        </p:spPr>
+        <p:txBody>
+          <a:bodyPr wrap="none" rtlCol="0">
+            <a:spAutoFit/>
+          </a:bodyPr>
+          <a:lstStyle/>
+          <a:p>
+            <a:pPr>
+              <a:lnSpc>
+                <a:spcPct val="150000"/>
+              </a:lnSpc>
+            </a:pPr>
+            <a:r>
+              <a:rPr lang="en-US" altLang="ko-KR" sz="1400" dirty="0">
+                <a:latin typeface="HY헤드라인M" panose="02030600000101010101" pitchFamily="18" charset="-127"/>
+                <a:ea typeface="HY헤드라인M" panose="02030600000101010101" pitchFamily="18" charset="-127"/>
+              </a:rPr>
+              <a:t>(</a:t>
+            </a:r>
+            <a:r>
+              <a:rPr lang="ko-KR" altLang="en-US" sz="1400" dirty="0">
+                <a:latin typeface="HY헤드라인M" panose="02030600000101010101" pitchFamily="18" charset="-127"/>
+                <a:ea typeface="HY헤드라인M" panose="02030600000101010101" pitchFamily="18" charset="-127"/>
+              </a:rPr>
+              <a:t>방향</a:t>
+            </a:r>
+            <a:r>
+              <a:rPr lang="en-US" altLang="ko-KR" sz="1400" dirty="0">
+                <a:latin typeface="HY헤드라인M" panose="02030600000101010101" pitchFamily="18" charset="-127"/>
+                <a:ea typeface="HY헤드라인M" panose="02030600000101010101" pitchFamily="18" charset="-127"/>
+              </a:rPr>
+              <a:t>)</a:t>
+            </a:r>
+            <a:r>
+              <a:rPr lang="ko-KR" altLang="en-US" sz="1400" dirty="0">
+                <a:latin typeface="HY헤드라인M" panose="02030600000101010101" pitchFamily="18" charset="-127"/>
+                <a:ea typeface="HY헤드라인M" panose="02030600000101010101" pitchFamily="18" charset="-127"/>
+              </a:rPr>
+              <a:t>키보드 </a:t>
+            </a:r>
+            <a:r>
+              <a:rPr lang="en-US" altLang="ko-KR" sz="1400" dirty="0">
+                <a:latin typeface="HY헤드라인M" panose="02030600000101010101" pitchFamily="18" charset="-127"/>
+                <a:ea typeface="HY헤드라인M" panose="02030600000101010101" pitchFamily="18" charset="-127"/>
+              </a:rPr>
+              <a:t>+ (</a:t>
+            </a:r>
+            <a:r>
+              <a:rPr lang="ko-KR" altLang="en-US" sz="1400" dirty="0">
+                <a:latin typeface="HY헤드라인M" panose="02030600000101010101" pitchFamily="18" charset="-127"/>
+                <a:ea typeface="HY헤드라인M" panose="02030600000101010101" pitchFamily="18" charset="-127"/>
+              </a:rPr>
+              <a:t>공격</a:t>
+            </a:r>
+            <a:r>
+              <a:rPr lang="en-US" altLang="ko-KR" sz="1400" dirty="0">
+                <a:latin typeface="HY헤드라인M" panose="02030600000101010101" pitchFamily="18" charset="-127"/>
+                <a:ea typeface="HY헤드라인M" panose="02030600000101010101" pitchFamily="18" charset="-127"/>
+              </a:rPr>
+              <a:t>) Space</a:t>
+            </a:r>
+            <a:endParaRPr lang="ko-KR" altLang="en-US" sz="1400" dirty="0">
+              <a:latin typeface="HY헤드라인M" panose="02030600000101010101" pitchFamily="18" charset="-127"/>
+              <a:ea typeface="HY헤드라인M" panose="02030600000101010101" pitchFamily="18" charset="-127"/>
+            </a:endParaRPr>
           </a:p>
         </p:txBody>
       </p:sp>
       <p:pic>
         <p:nvPicPr>
-          <p:cNvPr id="19" name="그림 18">
-            <a:extLst>
-              <a:ext uri="{FF2B5EF4-FFF2-40B4-BE49-F238E27FC236}">
-                <a16:creationId xmlns:a16="http://schemas.microsoft.com/office/drawing/2014/main" id="{73F3BB3D-73BB-46ED-95C3-C8EF5AE38090}"/>
+          <p:cNvPr id="8" name="그림 7">
+            <a:extLst>
+              <a:ext uri="{FF2B5EF4-FFF2-40B4-BE49-F238E27FC236}">
+                <a16:creationId xmlns:a16="http://schemas.microsoft.com/office/drawing/2014/main" id="{79AC48B0-50BF-4DD1-8C8D-72F7D95B4417}"/>
               </a:ext>
             </a:extLst>
           </p:cNvPr>
@@ -5229,45 +5038,14 @@
           <p:nvPr/>
         </p:nvPicPr>
         <p:blipFill rotWithShape="1">
-          <a:blip r:embed="rId4">
-            <a:extLst>
-              <a:ext uri="{BEBA8EAE-BF5A-486C-A8C5-ECC9F3942E4B}">
-                <a14:imgProps xmlns:a14="http://schemas.microsoft.com/office/drawing/2010/main">
-                  <a14:imgLayer r:embed="rId5">
-                    <a14:imgEffect>
-                      <a14:backgroundRemoval t="9896" b="92188" l="5762" r="83301">
-                        <a14:foregroundMark x1="66895" y1="55208" x2="79395" y2="56380"/>
-                        <a14:foregroundMark x1="79395" y1="56380" x2="69336" y2="69010"/>
-                        <a14:foregroundMark x1="69336" y1="69010" x2="60645" y2="63932"/>
-                        <a14:foregroundMark x1="77734" y1="59245" x2="79492" y2="66797"/>
-                        <a14:foregroundMark x1="80957" y1="60417" x2="80371" y2="67057"/>
-                        <a14:foregroundMark x1="83398" y1="60677" x2="82031" y2="64714"/>
-                        <a14:foregroundMark x1="50879" y1="83203" x2="13867" y2="94141"/>
-                        <a14:foregroundMark x1="13867" y1="94141" x2="13574" y2="77474"/>
-                        <a14:foregroundMark x1="13574" y1="77474" x2="9668" y2="61849"/>
-                        <a14:foregroundMark x1="9668" y1="61849" x2="20605" y2="73698"/>
-                        <a14:foregroundMark x1="20605" y1="73698" x2="46387" y2="82422"/>
-                        <a14:foregroundMark x1="46387" y1="82422" x2="51563" y2="83203"/>
-                        <a14:foregroundMark x1="9180" y1="74870" x2="8691" y2="65885"/>
-                        <a14:foregroundMark x1="5859" y1="66146" x2="8008" y2="75781"/>
-                        <a14:foregroundMark x1="35938" y1="90755" x2="42480" y2="92188"/>
-                      </a14:backgroundRemoval>
-                    </a14:imgEffect>
-                  </a14:imgLayer>
-                </a14:imgProps>
-              </a:ext>
-              <a:ext uri="{28A0092B-C50C-407E-A947-70E740481C1C}">
-                <a14:useLocalDpi xmlns:a14="http://schemas.microsoft.com/office/drawing/2010/main" val="0"/>
-              </a:ext>
-            </a:extLst>
-          </a:blip>
-          <a:srcRect l="2550" r="15050"/>
+          <a:blip r:embed="rId3"/>
+          <a:srcRect t="3139"/>
           <a:stretch/>
         </p:blipFill>
         <p:spPr>
           <a:xfrm>
-            <a:off x="5977641" y="1240240"/>
-            <a:ext cx="3100792" cy="2822326"/>
+            <a:off x="1076770" y="1341676"/>
+            <a:ext cx="4474943" cy="4408736"/>
           </a:xfrm>
           <a:prstGeom prst="rect">
             <a:avLst/>
@@ -5276,10 +5054,10 @@
       </p:pic>
       <p:sp>
         <p:nvSpPr>
-          <p:cNvPr id="33" name="직사각형 32">
-            <a:extLst>
-              <a:ext uri="{FF2B5EF4-FFF2-40B4-BE49-F238E27FC236}">
-                <a16:creationId xmlns:a16="http://schemas.microsoft.com/office/drawing/2014/main" id="{D65F202C-5F88-4206-BF0A-931D0C51ABCB}"/>
+          <p:cNvPr id="28" name="직사각형 27">
+            <a:extLst>
+              <a:ext uri="{FF2B5EF4-FFF2-40B4-BE49-F238E27FC236}">
+                <a16:creationId xmlns:a16="http://schemas.microsoft.com/office/drawing/2014/main" id="{575569A7-5520-4E8C-BA8B-1A04CF1CBAAC}"/>
               </a:ext>
             </a:extLst>
           </p:cNvPr>
@@ -5288,7 +5066,7 @@
         </p:nvSpPr>
         <p:spPr>
           <a:xfrm>
-            <a:off x="1107643" y="2701873"/>
+            <a:off x="6570996" y="1685819"/>
             <a:ext cx="4756558" cy="556637"/>
           </a:xfrm>
           <a:prstGeom prst="rect">
@@ -5331,10 +5109,73 @@
       </p:sp>
       <p:sp>
         <p:nvSpPr>
-          <p:cNvPr id="20" name="사각형: 둥근 모서리 19">
-            <a:extLst>
-              <a:ext uri="{FF2B5EF4-FFF2-40B4-BE49-F238E27FC236}">
-                <a16:creationId xmlns:a16="http://schemas.microsoft.com/office/drawing/2014/main" id="{8D958CC9-667D-4E3A-89F4-4CB604E3C4B2}"/>
+          <p:cNvPr id="29" name="TextBox 28">
+            <a:extLst>
+              <a:ext uri="{FF2B5EF4-FFF2-40B4-BE49-F238E27FC236}">
+                <a16:creationId xmlns:a16="http://schemas.microsoft.com/office/drawing/2014/main" id="{C867223D-2A4A-4895-926A-7FA3B27789B9}"/>
+              </a:ext>
+            </a:extLst>
+          </p:cNvPr>
+          <p:cNvSpPr txBox="1"/>
+          <p:nvPr/>
+        </p:nvSpPr>
+        <p:spPr>
+          <a:xfrm>
+            <a:off x="7244297" y="1735092"/>
+            <a:ext cx="4089581" cy="443198"/>
+          </a:xfrm>
+          <a:prstGeom prst="rect">
+            <a:avLst/>
+          </a:prstGeom>
+          <a:noFill/>
+        </p:spPr>
+        <p:txBody>
+          <a:bodyPr wrap="none" rtlCol="0">
+            <a:spAutoFit/>
+          </a:bodyPr>
+          <a:lstStyle/>
+          <a:p>
+            <a:pPr>
+              <a:lnSpc>
+                <a:spcPct val="150000"/>
+              </a:lnSpc>
+            </a:pPr>
+            <a:r>
+              <a:rPr lang="ko-KR" altLang="en-US" dirty="0">
+                <a:solidFill>
+                  <a:srgbClr val="37366B"/>
+                </a:solidFill>
+                <a:latin typeface="HY헤드라인M" panose="02030600000101010101" pitchFamily="18" charset="-127"/>
+                <a:ea typeface="HY헤드라인M" panose="02030600000101010101" pitchFamily="18" charset="-127"/>
+              </a:rPr>
+              <a:t>이성의 공격을 피해 깊은 잠의 세계로</a:t>
+            </a:r>
+            <a:r>
+              <a:rPr lang="en-US" altLang="ko-KR" dirty="0">
+                <a:solidFill>
+                  <a:srgbClr val="37366B"/>
+                </a:solidFill>
+                <a:latin typeface="HY헤드라인M" panose="02030600000101010101" pitchFamily="18" charset="-127"/>
+                <a:ea typeface="HY헤드라인M" panose="02030600000101010101" pitchFamily="18" charset="-127"/>
+              </a:rPr>
+              <a:t>!</a:t>
+            </a:r>
+            <a:endParaRPr lang="ko-KR" altLang="en-US" dirty="0">
+              <a:solidFill>
+                <a:schemeClr val="accent1"/>
+              </a:solidFill>
+              <a:latin typeface="HY헤드라인M" panose="02030600000101010101" pitchFamily="18" charset="-127"/>
+              <a:ea typeface="HY헤드라인M" panose="02030600000101010101" pitchFamily="18" charset="-127"/>
+            </a:endParaRPr>
+          </a:p>
+        </p:txBody>
+      </p:sp>
+      <p:sp>
+        <p:nvSpPr>
+          <p:cNvPr id="30" name="사각형: 둥근 모서리 29">
+            <a:extLst>
+              <a:ext uri="{FF2B5EF4-FFF2-40B4-BE49-F238E27FC236}">
+                <a16:creationId xmlns:a16="http://schemas.microsoft.com/office/drawing/2014/main" id="{A7ABB22C-39BF-4B09-94B7-8BAF9EB81C5F}"/>
               </a:ext>
             </a:extLst>
           </p:cNvPr>
@@ -5343,7 +5184,7 @@
         </p:nvSpPr>
         <p:spPr>
           <a:xfrm>
-            <a:off x="625676" y="3318410"/>
+            <a:off x="6064161" y="1767176"/>
             <a:ext cx="1143085" cy="369332"/>
           </a:xfrm>
           <a:prstGeom prst="roundRect">
@@ -5388,307 +5229,12 @@
                 <a:latin typeface="HY헤드라인M" panose="02030600000101010101" pitchFamily="18" charset="-127"/>
                 <a:ea typeface="HY헤드라인M" panose="02030600000101010101" pitchFamily="18" charset="-127"/>
               </a:rPr>
-              <a:t>플레이</a:t>
-            </a:r>
-          </a:p>
-        </p:txBody>
-      </p:sp>
-      <p:sp>
-        <p:nvSpPr>
-          <p:cNvPr id="21" name="TextBox 20">
-            <a:extLst>
-              <a:ext uri="{FF2B5EF4-FFF2-40B4-BE49-F238E27FC236}">
-                <a16:creationId xmlns:a16="http://schemas.microsoft.com/office/drawing/2014/main" id="{E66DEADD-C2B1-4D08-B1BA-23913CC78705}"/>
-              </a:ext>
-            </a:extLst>
-          </p:cNvPr>
-          <p:cNvSpPr txBox="1"/>
-          <p:nvPr/>
-        </p:nvSpPr>
-        <p:spPr>
-          <a:xfrm>
-            <a:off x="1805815" y="3257761"/>
-            <a:ext cx="3114955" cy="1011495"/>
-          </a:xfrm>
-          <a:prstGeom prst="rect">
-            <a:avLst/>
-          </a:prstGeom>
-          <a:noFill/>
-        </p:spPr>
-        <p:txBody>
-          <a:bodyPr wrap="none" rtlCol="0">
-            <a:spAutoFit/>
-          </a:bodyPr>
-          <a:lstStyle/>
-          <a:p>
-            <a:pPr>
-              <a:lnSpc>
-                <a:spcPct val="150000"/>
-              </a:lnSpc>
-            </a:pPr>
-            <a:r>
-              <a:rPr lang="ko-KR" altLang="en-US" sz="1400" dirty="0">
-                <a:solidFill>
-                  <a:srgbClr val="37366B"/>
-                </a:solidFill>
-                <a:latin typeface="HY헤드라인M" panose="02030600000101010101" pitchFamily="18" charset="-127"/>
-                <a:ea typeface="HY헤드라인M" panose="02030600000101010101" pitchFamily="18" charset="-127"/>
-              </a:rPr>
-              <a:t>주인공을 컨트롤 </a:t>
-            </a:r>
-            <a:r>
-              <a:rPr lang="ko-KR" altLang="en-US" sz="1400" dirty="0">
-                <a:latin typeface="HY헤드라인M" panose="02030600000101010101" pitchFamily="18" charset="-127"/>
-                <a:ea typeface="HY헤드라인M" panose="02030600000101010101" pitchFamily="18" charset="-127"/>
-              </a:rPr>
-              <a:t>해서 </a:t>
-            </a:r>
-            <a:r>
-              <a:rPr lang="en-US" altLang="ko-KR" sz="1400" dirty="0">
-                <a:latin typeface="HY헤드라인M" panose="02030600000101010101" pitchFamily="18" charset="-127"/>
-                <a:ea typeface="HY헤드라인M" panose="02030600000101010101" pitchFamily="18" charset="-127"/>
-              </a:rPr>
-              <a:t>-&gt; </a:t>
-            </a:r>
-            <a:r>
-              <a:rPr lang="ko-KR" altLang="en-US" sz="1400" dirty="0">
-                <a:solidFill>
-                  <a:srgbClr val="37366B"/>
-                </a:solidFill>
-                <a:latin typeface="HY헤드라인M" panose="02030600000101010101" pitchFamily="18" charset="-127"/>
-                <a:ea typeface="HY헤드라인M" panose="02030600000101010101" pitchFamily="18" charset="-127"/>
-              </a:rPr>
-              <a:t>플레이어</a:t>
-            </a:r>
-            <a:endParaRPr lang="en-US" altLang="ko-KR" sz="1400" dirty="0">
+              <a:t>게임 컨셉</a:t>
+            </a:r>
+            <a:endParaRPr lang="en-US" altLang="ko-KR" sz="1600" dirty="0">
               <a:solidFill>
                 <a:srgbClr val="37366B"/>
               </a:solidFill>
-              <a:latin typeface="HY헤드라인M" panose="02030600000101010101" pitchFamily="18" charset="-127"/>
-              <a:ea typeface="HY헤드라인M" panose="02030600000101010101" pitchFamily="18" charset="-127"/>
-            </a:endParaRPr>
-          </a:p>
-          <a:p>
-            <a:pPr>
-              <a:lnSpc>
-                <a:spcPct val="150000"/>
-              </a:lnSpc>
-            </a:pPr>
-            <a:r>
-              <a:rPr lang="ko-KR" altLang="en-US" sz="1400" dirty="0">
-                <a:solidFill>
-                  <a:srgbClr val="C00000"/>
-                </a:solidFill>
-                <a:latin typeface="HY헤드라인M" panose="02030600000101010101" pitchFamily="18" charset="-127"/>
-                <a:ea typeface="HY헤드라인M" panose="02030600000101010101" pitchFamily="18" charset="-127"/>
-              </a:rPr>
-              <a:t>장애물이 쏘는 포탄</a:t>
-            </a:r>
-            <a:r>
-              <a:rPr lang="ko-KR" altLang="en-US" sz="1400" dirty="0">
-                <a:latin typeface="HY헤드라인M" panose="02030600000101010101" pitchFamily="18" charset="-127"/>
-                <a:ea typeface="HY헤드라인M" panose="02030600000101010101" pitchFamily="18" charset="-127"/>
-              </a:rPr>
-              <a:t> 피해서</a:t>
-            </a:r>
-            <a:endParaRPr lang="en-US" altLang="ko-KR" sz="1400" dirty="0">
-              <a:solidFill>
-                <a:srgbClr val="C00000"/>
-              </a:solidFill>
-              <a:latin typeface="HY헤드라인M" panose="02030600000101010101" pitchFamily="18" charset="-127"/>
-              <a:ea typeface="HY헤드라인M" panose="02030600000101010101" pitchFamily="18" charset="-127"/>
-            </a:endParaRPr>
-          </a:p>
-          <a:p>
-            <a:pPr>
-              <a:lnSpc>
-                <a:spcPct val="150000"/>
-              </a:lnSpc>
-            </a:pPr>
-            <a:r>
-              <a:rPr lang="ko-KR" altLang="en-US" sz="1400" dirty="0">
-                <a:solidFill>
-                  <a:schemeClr val="accent1"/>
-                </a:solidFill>
-                <a:latin typeface="HY헤드라인M" panose="02030600000101010101" pitchFamily="18" charset="-127"/>
-                <a:ea typeface="HY헤드라인M" panose="02030600000101010101" pitchFamily="18" charset="-127"/>
-              </a:rPr>
-              <a:t>깊은 잠 게이지</a:t>
-            </a:r>
-            <a:r>
-              <a:rPr lang="ko-KR" altLang="en-US" sz="1400" dirty="0">
-                <a:latin typeface="HY헤드라인M" panose="02030600000101010101" pitchFamily="18" charset="-127"/>
-                <a:ea typeface="HY헤드라인M" panose="02030600000101010101" pitchFamily="18" charset="-127"/>
-              </a:rPr>
-              <a:t>를 채우자 </a:t>
-            </a:r>
-            <a:r>
-              <a:rPr lang="en-US" altLang="ko-KR" sz="1400" dirty="0">
-                <a:latin typeface="HY헤드라인M" panose="02030600000101010101" pitchFamily="18" charset="-127"/>
-                <a:ea typeface="HY헤드라인M" panose="02030600000101010101" pitchFamily="18" charset="-127"/>
-              </a:rPr>
-              <a:t>-&gt; </a:t>
-            </a:r>
-            <a:r>
-              <a:rPr lang="ko-KR" altLang="en-US" sz="1400" dirty="0">
-                <a:solidFill>
-                  <a:schemeClr val="accent1"/>
-                </a:solidFill>
-                <a:latin typeface="HY헤드라인M" panose="02030600000101010101" pitchFamily="18" charset="-127"/>
-                <a:ea typeface="HY헤드라인M" panose="02030600000101010101" pitchFamily="18" charset="-127"/>
-              </a:rPr>
-              <a:t>클리어</a:t>
-            </a:r>
-          </a:p>
-        </p:txBody>
-      </p:sp>
-      <p:sp>
-        <p:nvSpPr>
-          <p:cNvPr id="22" name="사각형: 둥근 모서리 21">
-            <a:extLst>
-              <a:ext uri="{FF2B5EF4-FFF2-40B4-BE49-F238E27FC236}">
-                <a16:creationId xmlns:a16="http://schemas.microsoft.com/office/drawing/2014/main" id="{E0431238-BE0E-43AD-901F-2A15BB812512}"/>
-              </a:ext>
-            </a:extLst>
-          </p:cNvPr>
-          <p:cNvSpPr/>
-          <p:nvPr/>
-        </p:nvSpPr>
-        <p:spPr>
-          <a:xfrm>
-            <a:off x="625677" y="2776288"/>
-            <a:ext cx="1143085" cy="369332"/>
-          </a:xfrm>
-          <a:prstGeom prst="roundRect">
-            <a:avLst/>
-          </a:prstGeom>
-          <a:solidFill>
-            <a:srgbClr val="EEF2FF"/>
-          </a:solidFill>
-          <a:ln w="9525">
-            <a:solidFill>
-              <a:srgbClr val="CCCCFF"/>
-            </a:solidFill>
-            <a:prstDash val="solid"/>
-          </a:ln>
-        </p:spPr>
-        <p:style>
-          <a:lnRef idx="2">
-            <a:schemeClr val="accent1">
-              <a:shade val="50000"/>
-            </a:schemeClr>
-          </a:lnRef>
-          <a:fillRef idx="1">
-            <a:schemeClr val="accent1"/>
-          </a:fillRef>
-          <a:effectRef idx="0">
-            <a:schemeClr val="accent1"/>
-          </a:effectRef>
-          <a:fontRef idx="minor">
-            <a:schemeClr val="lt1"/>
-          </a:fontRef>
-        </p:style>
-        <p:txBody>
-          <a:bodyPr rtlCol="0" anchor="ctr"/>
-          <a:lstStyle/>
-          <a:p>
-            <a:pPr algn="ctr"/>
-            <a:r>
-              <a:rPr lang="ko-KR" altLang="en-US" sz="1600" dirty="0">
-                <a:solidFill>
-                  <a:srgbClr val="37366B"/>
-                </a:solidFill>
-                <a:latin typeface="HY헤드라인M" panose="02030600000101010101" pitchFamily="18" charset="-127"/>
-                <a:ea typeface="HY헤드라인M" panose="02030600000101010101" pitchFamily="18" charset="-127"/>
-              </a:rPr>
-              <a:t>컨트롤</a:t>
-            </a:r>
-          </a:p>
-        </p:txBody>
-      </p:sp>
-      <p:sp>
-        <p:nvSpPr>
-          <p:cNvPr id="23" name="TextBox 22">
-            <a:extLst>
-              <a:ext uri="{FF2B5EF4-FFF2-40B4-BE49-F238E27FC236}">
-                <a16:creationId xmlns:a16="http://schemas.microsoft.com/office/drawing/2014/main" id="{A0FDE3A2-1323-45EB-8598-1F499B105586}"/>
-              </a:ext>
-            </a:extLst>
-          </p:cNvPr>
-          <p:cNvSpPr txBox="1"/>
-          <p:nvPr/>
-        </p:nvSpPr>
-        <p:spPr>
-          <a:xfrm>
-            <a:off x="1805815" y="2758790"/>
-            <a:ext cx="2464136" cy="365165"/>
-          </a:xfrm>
-          <a:prstGeom prst="rect">
-            <a:avLst/>
-          </a:prstGeom>
-          <a:noFill/>
-        </p:spPr>
-        <p:txBody>
-          <a:bodyPr wrap="none" rtlCol="0">
-            <a:spAutoFit/>
-          </a:bodyPr>
-          <a:lstStyle/>
-          <a:p>
-            <a:pPr>
-              <a:lnSpc>
-                <a:spcPct val="150000"/>
-              </a:lnSpc>
-            </a:pPr>
-            <a:r>
-              <a:rPr lang="en-US" altLang="ko-KR" sz="1400" dirty="0">
-                <a:latin typeface="HY헤드라인M" panose="02030600000101010101" pitchFamily="18" charset="-127"/>
-                <a:ea typeface="HY헤드라인M" panose="02030600000101010101" pitchFamily="18" charset="-127"/>
-              </a:rPr>
-              <a:t>(</a:t>
-            </a:r>
-            <a:r>
-              <a:rPr lang="ko-KR" altLang="en-US" sz="1400" dirty="0">
-                <a:latin typeface="HY헤드라인M" panose="02030600000101010101" pitchFamily="18" charset="-127"/>
-                <a:ea typeface="HY헤드라인M" panose="02030600000101010101" pitchFamily="18" charset="-127"/>
-              </a:rPr>
-              <a:t>방향</a:t>
-            </a:r>
-            <a:r>
-              <a:rPr lang="en-US" altLang="ko-KR" sz="1400" dirty="0">
-                <a:latin typeface="HY헤드라인M" panose="02030600000101010101" pitchFamily="18" charset="-127"/>
-                <a:ea typeface="HY헤드라인M" panose="02030600000101010101" pitchFamily="18" charset="-127"/>
-              </a:rPr>
-              <a:t>)</a:t>
-            </a:r>
-            <a:r>
-              <a:rPr lang="ko-KR" altLang="en-US" sz="1400" dirty="0">
-                <a:latin typeface="HY헤드라인M" panose="02030600000101010101" pitchFamily="18" charset="-127"/>
-                <a:ea typeface="HY헤드라인M" panose="02030600000101010101" pitchFamily="18" charset="-127"/>
-              </a:rPr>
-              <a:t>키보드 </a:t>
-            </a:r>
-            <a:r>
-              <a:rPr lang="en-US" altLang="ko-KR" sz="1400" dirty="0">
-                <a:latin typeface="HY헤드라인M" panose="02030600000101010101" pitchFamily="18" charset="-127"/>
-                <a:ea typeface="HY헤드라인M" panose="02030600000101010101" pitchFamily="18" charset="-127"/>
-              </a:rPr>
-              <a:t>+ (</a:t>
-            </a:r>
-            <a:r>
-              <a:rPr lang="ko-KR" altLang="en-US" sz="1400" dirty="0">
-                <a:latin typeface="HY헤드라인M" panose="02030600000101010101" pitchFamily="18" charset="-127"/>
-                <a:ea typeface="HY헤드라인M" panose="02030600000101010101" pitchFamily="18" charset="-127"/>
-              </a:rPr>
-              <a:t>공격</a:t>
-            </a:r>
-            <a:r>
-              <a:rPr lang="en-US" altLang="ko-KR" sz="1400" dirty="0">
-                <a:latin typeface="HY헤드라인M" panose="02030600000101010101" pitchFamily="18" charset="-127"/>
-                <a:ea typeface="HY헤드라인M" panose="02030600000101010101" pitchFamily="18" charset="-127"/>
-              </a:rPr>
-              <a:t>) Space</a:t>
-            </a:r>
-            <a:endParaRPr lang="ko-KR" altLang="en-US" sz="1400" dirty="0">
               <a:latin typeface="HY헤드라인M" panose="02030600000101010101" pitchFamily="18" charset="-127"/>
               <a:ea typeface="HY헤드라인M" panose="02030600000101010101" pitchFamily="18" charset="-127"/>
             </a:endParaRPr>
@@ -5903,7 +5449,7 @@
           <p:nvPr>
             <p:extLst>
               <p:ext uri="{D42A27DB-BD31-4B8C-83A1-F6EECF244321}">
-                <p14:modId xmlns:p14="http://schemas.microsoft.com/office/powerpoint/2010/main" val="2974576288"/>
+                <p14:modId xmlns:p14="http://schemas.microsoft.com/office/powerpoint/2010/main" val="1896756579"/>
               </p:ext>
             </p:extLst>
           </p:nvPr>
@@ -6739,37 +6285,6 @@
                         <a:ea typeface="HY중고딕" panose="02030600000101010101" pitchFamily="18" charset="-127"/>
                       </a:endParaRPr>
                     </a:p>
-                    <a:p>
-                      <a:pPr algn="l" latinLnBrk="1"/>
-                      <a:r>
-                        <a:rPr lang="ko-KR" altLang="en-US" sz="1400" dirty="0">
-                          <a:latin typeface="HY중고딕" panose="02030600000101010101" pitchFamily="18" charset="-127"/>
-                          <a:ea typeface="HY중고딕" panose="02030600000101010101" pitchFamily="18" charset="-127"/>
-                        </a:rPr>
-                        <a:t>아이템 </a:t>
-                      </a:r>
-                      <a:r>
-                        <a:rPr lang="en-US" altLang="ko-KR" sz="1400" dirty="0">
-                          <a:latin typeface="HY중고딕" panose="02030600000101010101" pitchFamily="18" charset="-127"/>
-                          <a:ea typeface="HY중고딕" panose="02030600000101010101" pitchFamily="18" charset="-127"/>
-                        </a:rPr>
-                        <a:t>: </a:t>
-                      </a:r>
-                      <a:r>
-                        <a:rPr lang="ko-KR" altLang="en-US" sz="1400" dirty="0">
-                          <a:latin typeface="HY중고딕" panose="02030600000101010101" pitchFamily="18" charset="-127"/>
-                          <a:ea typeface="HY중고딕" panose="02030600000101010101" pitchFamily="18" charset="-127"/>
-                        </a:rPr>
-                        <a:t>몬스터를 죽일 때 특정 확률로 </a:t>
-                      </a:r>
-                      <a:endParaRPr lang="en-US" altLang="ko-KR" sz="1400" dirty="0">
-                        <a:solidFill>
-                          <a:schemeClr val="tx1"/>
-                        </a:solidFill>
-                        <a:latin typeface="HY중고딕" panose="02030600000101010101" pitchFamily="18" charset="-127"/>
-                        <a:ea typeface="HY중고딕" panose="02030600000101010101" pitchFamily="18" charset="-127"/>
-                      </a:endParaRPr>
-                    </a:p>
                   </a:txBody>
                   <a:tcPr anchor="ctr">
                     <a:solidFill>
@@ -6781,6 +6296,53 @@
                   <a:txBody>
                     <a:bodyPr/>
                     <a:lstStyle/>
+                    <a:p>
+                      <a:pPr marL="0" marR="0" lvl="0" indent="0" algn="ctr" defTabSz="914400" rtl="0" eaLnBrk="1" fontAlgn="auto" latinLnBrk="1" hangingPunct="1">
+                        <a:lnSpc>
+                          <a:spcPct val="100000"/>
+                        </a:lnSpc>
+                        <a:spcBef>
+                          <a:spcPts val="0"/>
+                        </a:spcBef>
+                        <a:spcAft>
+                          <a:spcPts val="0"/>
+                        </a:spcAft>
+                        <a:buClrTx/>
+                        <a:buSzTx/>
+                        <a:buFontTx/>
+                        <a:buNone/>
+                        <a:tabLst/>
+                        <a:defRPr/>
+                      </a:pPr>
+                      <a:r>
+                        <a:rPr lang="ko-KR" altLang="en-US" sz="1400" dirty="0">
+                          <a:latin typeface="HY중고딕" panose="02030600000101010101" pitchFamily="18" charset="-127"/>
+                          <a:ea typeface="HY중고딕" panose="02030600000101010101" pitchFamily="18" charset="-127"/>
+                        </a:rPr>
+                        <a:t>아이템 </a:t>
+                      </a:r>
+                      <a:r>
+                        <a:rPr lang="en-US" altLang="ko-KR" sz="1400" dirty="0">
+                          <a:latin typeface="HY중고딕" panose="02030600000101010101" pitchFamily="18" charset="-127"/>
+                          <a:ea typeface="HY중고딕" panose="02030600000101010101" pitchFamily="18" charset="-127"/>
+                        </a:rPr>
+                        <a:t>: </a:t>
+                      </a:r>
+                      <a:r>
+                        <a:rPr lang="ko-KR" altLang="en-US" sz="1400" dirty="0">
+                          <a:latin typeface="HY중고딕" panose="02030600000101010101" pitchFamily="18" charset="-127"/>
+                          <a:ea typeface="HY중고딕" panose="02030600000101010101" pitchFamily="18" charset="-127"/>
+                        </a:rPr>
+                        <a:t>몬스터를 죽일 때 특정 확률로 </a:t>
+                      </a:r>
+                      <a:endParaRPr lang="en-US" altLang="ko-KR" sz="1400" dirty="0">
+                        <a:solidFill>
+                          <a:schemeClr val="tx1"/>
+                        </a:solidFill>
+                        <a:latin typeface="HY중고딕" panose="02030600000101010101" pitchFamily="18" charset="-127"/>
+                        <a:ea typeface="HY중고딕" panose="02030600000101010101" pitchFamily="18" charset="-127"/>
+                      </a:endParaRPr>
+                    </a:p>
                     <a:p>
                       <a:pPr algn="ctr" latinLnBrk="1"/>
                       <a:r>
@@ -7052,14 +6614,14 @@
                     <a:p>
                       <a:pPr algn="ctr" latinLnBrk="1"/>
                       <a:r>
-                        <a:rPr lang="en-US" altLang="ko-KR" sz="1400">
+                        <a:rPr lang="en-US" altLang="ko-KR" sz="1400" dirty="0">
                           <a:latin typeface="HY중고딕" panose="02030600000101010101" pitchFamily="18" charset="-127"/>
                           <a:ea typeface="HY중고딕" panose="02030600000101010101" pitchFamily="18" charset="-127"/>
                         </a:rPr>
                         <a:t> </a:t>
                       </a:r>
                       <a:r>
-                        <a:rPr lang="ko-KR" altLang="en-US" sz="1400">
+                        <a:rPr lang="ko-KR" altLang="en-US" sz="1400" dirty="0">
                           <a:latin typeface="HY중고딕" panose="02030600000101010101" pitchFamily="18" charset="-127"/>
                           <a:ea typeface="HY중고딕" panose="02030600000101010101" pitchFamily="18" charset="-127"/>
                         </a:rPr>
@@ -9084,148 +8646,6 @@
           </a:prstGeom>
         </p:spPr>
       </p:pic>
-      <p:sp>
-        <p:nvSpPr>
-          <p:cNvPr id="11" name="사각형: 둥근 모서리 10">
-            <a:extLst>
-              <a:ext uri="{FF2B5EF4-FFF2-40B4-BE49-F238E27FC236}">
-                <a16:creationId xmlns:a16="http://schemas.microsoft.com/office/drawing/2014/main" id="{8CFBDDFF-E6AD-4753-B866-74E55F9E200D}"/>
-              </a:ext>
-            </a:extLst>
-          </p:cNvPr>
-          <p:cNvSpPr/>
-          <p:nvPr/>
-        </p:nvSpPr>
-        <p:spPr>
-          <a:xfrm>
-            <a:off x="6823363" y="2921465"/>
-            <a:ext cx="491837" cy="1754443"/>
-          </a:xfrm>
-          <a:prstGeom prst="roundRect">
-            <a:avLst/>
-          </a:prstGeom>
-          <a:noFill/>
-          <a:ln w="57150">
-            <a:solidFill>
-              <a:srgbClr val="C00000"/>
-            </a:solidFill>
-          </a:ln>
-        </p:spPr>
-        <p:style>
-          <a:lnRef idx="2">
-            <a:schemeClr val="accent1">
-              <a:shade val="50000"/>
-            </a:schemeClr>
-          </a:lnRef>
-          <a:fillRef idx="1">
-            <a:schemeClr val="accent1"/>
-          </a:fillRef>
-          <a:effectRef idx="0">
-            <a:schemeClr val="accent1"/>
-          </a:effectRef>
-          <a:fontRef idx="minor">
-            <a:schemeClr val="lt1"/>
-          </a:fontRef>
-        </p:style>
-        <p:txBody>
-          <a:bodyPr rtlCol="0" anchor="ctr"/>
-          <a:lstStyle/>
-          <a:p>
-            <a:pPr algn="ctr"/>
-            <a:endParaRPr lang="ko-KR" altLang="en-US"/>
-          </a:p>
-        </p:txBody>
-      </p:sp>
-      <p:sp>
-        <p:nvSpPr>
-          <p:cNvPr id="12" name="TextBox 11">
-            <a:extLst>
-              <a:ext uri="{FF2B5EF4-FFF2-40B4-BE49-F238E27FC236}">
-                <a16:creationId xmlns:a16="http://schemas.microsoft.com/office/drawing/2014/main" id="{BFEDB21E-FCA1-4332-BCBF-E46298B7C4D0}"/>
-              </a:ext>
-            </a:extLst>
-          </p:cNvPr>
-          <p:cNvSpPr txBox="1"/>
-          <p:nvPr/>
-        </p:nvSpPr>
-        <p:spPr>
-          <a:xfrm>
-            <a:off x="5815445" y="2275134"/>
-            <a:ext cx="2999509" cy="646331"/>
-          </a:xfrm>
-          <a:prstGeom prst="rect">
-            <a:avLst/>
-          </a:prstGeom>
-          <a:noFill/>
-        </p:spPr>
-        <p:txBody>
-          <a:bodyPr wrap="square" rtlCol="0">
-            <a:spAutoFit/>
-          </a:bodyPr>
-          <a:lstStyle/>
-          <a:p>
-            <a:r>
-              <a:rPr lang="en-US" altLang="ko-KR" dirty="0">
-                <a:solidFill>
-                  <a:srgbClr val="C00000"/>
-                </a:solidFill>
-                <a:latin typeface="HY헤드라인M" panose="02030600000101010101" pitchFamily="18" charset="-127"/>
-                <a:ea typeface="HY헤드라인M" panose="02030600000101010101" pitchFamily="18" charset="-127"/>
-              </a:rPr>
-              <a:t>1 G-STAR </a:t>
-            </a:r>
-            <a:r>
-              <a:rPr lang="ko-KR" altLang="en-US" dirty="0">
-                <a:solidFill>
-                  <a:srgbClr val="C00000"/>
-                </a:solidFill>
-                <a:latin typeface="HY헤드라인M" panose="02030600000101010101" pitchFamily="18" charset="-127"/>
-                <a:ea typeface="HY헤드라인M" panose="02030600000101010101" pitchFamily="18" charset="-127"/>
-              </a:rPr>
-              <a:t>과제 전 참여</a:t>
-            </a:r>
-            <a:endParaRPr lang="en-US" altLang="ko-KR" dirty="0">
-              <a:solidFill>
-                <a:srgbClr val="C00000"/>
-              </a:solidFill>
-              <a:latin typeface="HY헤드라인M" panose="02030600000101010101" pitchFamily="18" charset="-127"/>
-              <a:ea typeface="HY헤드라인M" panose="02030600000101010101" pitchFamily="18" charset="-127"/>
-            </a:endParaRPr>
-          </a:p>
-          <a:p>
-            <a:r>
-              <a:rPr lang="ko-KR" altLang="en-US" dirty="0">
-                <a:solidFill>
-                  <a:srgbClr val="C00000"/>
-                </a:solidFill>
-                <a:latin typeface="HY헤드라인M" panose="02030600000101010101" pitchFamily="18" charset="-127"/>
-                <a:ea typeface="HY헤드라인M" panose="02030600000101010101" pitchFamily="18" charset="-127"/>
-              </a:rPr>
-              <a:t>기존 일정보다 </a:t>
-            </a:r>
-            <a:r>
-              <a:rPr lang="en-US" altLang="ko-KR" dirty="0">
-                <a:solidFill>
-                  <a:srgbClr val="C00000"/>
-                </a:solidFill>
-                <a:latin typeface="HY헤드라인M" panose="02030600000101010101" pitchFamily="18" charset="-127"/>
-                <a:ea typeface="HY헤드라인M" panose="02030600000101010101" pitchFamily="18" charset="-127"/>
-              </a:rPr>
-              <a:t>2</a:t>
-            </a:r>
-            <a:r>
-              <a:rPr lang="ko-KR" altLang="en-US" dirty="0">
-                <a:solidFill>
-                  <a:srgbClr val="C00000"/>
-                </a:solidFill>
-                <a:latin typeface="HY헤드라인M" panose="02030600000101010101" pitchFamily="18" charset="-127"/>
-                <a:ea typeface="HY헤드라인M" panose="02030600000101010101" pitchFamily="18" charset="-127"/>
-              </a:rPr>
-              <a:t>주 밀림</a:t>
-            </a:r>
-          </a:p>
-        </p:txBody>
-      </p:sp>
       <p:grpSp>
         <p:nvGrpSpPr>
           <p:cNvPr id="13" name="그룹 12">
@@ -9448,7 +8868,7 @@
                 <a:latin typeface="HY헤드라인M" panose="02030600000101010101" pitchFamily="18" charset="-127"/>
                 <a:ea typeface="HY헤드라인M" panose="02030600000101010101" pitchFamily="18" charset="-127"/>
               </a:rPr>
-              <a:t>2 </a:t>
+              <a:t>1 </a:t>
             </a:r>
             <a:r>
               <a:rPr lang="ko-KR" altLang="en-US" sz="1600" dirty="0">
@@ -9581,7 +9001,7 @@
                             </p:stCondLst>
                             <p:childTnLst>
                               <p:par>
-                                <p:cTn id="11" presetID="42" presetClass="entr" presetSubtype="0" fill="hold" grpId="0" nodeType="clickEffect">
+                                <p:cTn id="11" presetID="16" presetClass="entr" presetSubtype="21" fill="hold" grpId="0" nodeType="clickEffect">
                                   <p:stCondLst>
                                     <p:cond delay="0"/>
                                   </p:stCondLst>
@@ -9589,158 +9009,6 @@
                                     <p:set>
                                       <p:cBhvr>
                                         <p:cTn id="12" dur="1" fill="hold">
-                                          <p:stCondLst>
-                                            <p:cond delay="0"/>
-                                          </p:stCondLst>
-                                        </p:cTn>
-                                        <p:tgtEl>
-                                          <p:spTgt spid="11"/>
-                                        </p:tgtEl>
-                                        <p:attrNameLst>
-                                          <p:attrName>style.visibility</p:attrName>
-                                        </p:attrNameLst>
-                                      </p:cBhvr>
-                                      <p:to>
-                                        <p:strVal val="visible"/>
-                                      </p:to>
-                                    </p:set>
-                                    <p:animEffect transition="in" filter="fade">
-                                      <p:cBhvr>
-                                        <p:cTn id="13" dur="1000"/>
-                                        <p:tgtEl>
-                                          <p:spTgt spid="11"/>
-                                        </p:tgtEl>
-                                      </p:cBhvr>
-                                    </p:animEffect>
-                                    <p:anim calcmode="lin" valueType="num">
-                                      <p:cBhvr>
-                                        <p:cTn id="14" dur="1000" fill="hold"/>
-                                        <p:tgtEl>
-                                          <p:spTgt spid="11"/>
-                                        </p:tgtEl>
-                                        <p:attrNameLst>
-                                          <p:attrName>ppt_x</p:attrName>
-                                        </p:attrNameLst>
-                                      </p:cBhvr>
-                                      <p:tavLst>
-                                        <p:tav tm="0">
-                                          <p:val>
-                                            <p:strVal val="#ppt_x"/>
-                                          </p:val>
-                                        </p:tav>
-                                        <p:tav tm="100000">
-                                          <p:val>
-                                            <p:strVal val="#ppt_x"/>
-                                          </p:val>
-                                        </p:tav>
-                                      </p:tavLst>
-                                    </p:anim>
-                                    <p:anim calcmode="lin" valueType="num">
-                                      <p:cBhvr>
-                                        <p:cTn id="15" dur="1000" fill="hold"/>
-                                        <p:tgtEl>
-                                          <p:spTgt spid="11"/>
-                                        </p:tgtEl>
-                                        <p:attrNameLst>
-                                          <p:attrName>ppt_y</p:attrName>
-                                        </p:attrNameLst>
-                                      </p:cBhvr>
-                                      <p:tavLst>
-                                        <p:tav tm="0">
-                                          <p:val>
-                                            <p:strVal val="#ppt_y+.1"/>
-                                          </p:val>
-                                        </p:tav>
-                                        <p:tav tm="100000">
-                                          <p:val>
-                                            <p:strVal val="#ppt_y"/>
-                                          </p:val>
-                                        </p:tav>
-                                      </p:tavLst>
-                                    </p:anim>
-                                  </p:childTnLst>
-                                </p:cTn>
-                              </p:par>
-                            </p:childTnLst>
-                          </p:cTn>
-                        </p:par>
-                      </p:childTnLst>
-                    </p:cTn>
-                  </p:par>
-                  <p:par>
-                    <p:cTn id="16" fill="hold">
-                      <p:stCondLst>
-                        <p:cond delay="indefinite"/>
-                      </p:stCondLst>
-                      <p:childTnLst>
-                        <p:par>
-                          <p:cTn id="17" fill="hold">
-                            <p:stCondLst>
-                              <p:cond delay="0"/>
-                            </p:stCondLst>
-                            <p:childTnLst>
-                              <p:par>
-                                <p:cTn id="18" presetID="16" presetClass="entr" presetSubtype="21" fill="hold" grpId="0" nodeType="clickEffect">
-                                  <p:stCondLst>
-                                    <p:cond delay="0"/>
-                                  </p:stCondLst>
-                                  <p:childTnLst>
-                                    <p:set>
-                                      <p:cBhvr>
-                                        <p:cTn id="19" dur="1" fill="hold">
-                                          <p:stCondLst>
-                                            <p:cond delay="0"/>
-                                          </p:stCondLst>
-                                        </p:cTn>
-                                        <p:tgtEl>
-                                          <p:spTgt spid="12"/>
-                                        </p:tgtEl>
-                                        <p:attrNameLst>
-                                          <p:attrName>style.visibility</p:attrName>
-                                        </p:attrNameLst>
-                                      </p:cBhvr>
-                                      <p:to>
-                                        <p:strVal val="visible"/>
-                                      </p:to>
-                                    </p:set>
-                                    <p:animEffect transition="in" filter="barn(inVertical)">
-                                      <p:cBhvr>
-                                        <p:cTn id="20" dur="500"/>
-                                        <p:tgtEl>
-                                          <p:spTgt spid="12"/>
-                                        </p:tgtEl>
-                                      </p:cBhvr>
-                                    </p:animEffect>
-                                  </p:childTnLst>
-                                </p:cTn>
-                              </p:par>
-                            </p:childTnLst>
-                          </p:cTn>
-                        </p:par>
-                      </p:childTnLst>
-                    </p:cTn>
-                  </p:par>
-                  <p:par>
-                    <p:cTn id="21" fill="hold">
-                      <p:stCondLst>
-                        <p:cond delay="indefinite"/>
-                      </p:stCondLst>
-                      <p:childTnLst>
-                        <p:par>
-                          <p:cTn id="22" fill="hold">
-                            <p:stCondLst>
-                              <p:cond delay="0"/>
-                            </p:stCondLst>
-                            <p:childTnLst>
-                              <p:par>
-                                <p:cTn id="23" presetID="16" presetClass="entr" presetSubtype="21" fill="hold" grpId="0" nodeType="clickEffect">
-                                  <p:stCondLst>
-                                    <p:cond delay="0"/>
-                                  </p:stCondLst>
-                                  <p:childTnLst>
-                                    <p:set>
-                                      <p:cBhvr>
-                                        <p:cTn id="24" dur="1" fill="hold">
                                           <p:stCondLst>
                                             <p:cond delay="0"/>
                                           </p:stCondLst>
@@ -9758,7 +9026,7 @@
                                     </p:set>
                                     <p:animEffect transition="in" filter="barn(inVertical)">
                                       <p:cBhvr>
-                                        <p:cTn id="25" dur="500"/>
+                                        <p:cTn id="13" dur="500"/>
                                         <p:tgtEl>
                                           <p:spTgt spid="18"/>
                                         </p:tgtEl>
@@ -9774,26 +9042,26 @@
                     </p:cTn>
                   </p:par>
                   <p:par>
-                    <p:cTn id="26" fill="hold">
+                    <p:cTn id="14" fill="hold">
                       <p:stCondLst>
                         <p:cond delay="indefinite"/>
                       </p:stCondLst>
                       <p:childTnLst>
                         <p:par>
-                          <p:cTn id="27" fill="hold">
+                          <p:cTn id="15" fill="hold">
                             <p:stCondLst>
                               <p:cond delay="0"/>
                             </p:stCondLst>
                             <p:childTnLst>
                               <p:par>
-                                <p:cTn id="28" presetID="16" presetClass="entr" presetSubtype="21" fill="hold" nodeType="clickEffect">
+                                <p:cTn id="16" presetID="16" presetClass="entr" presetSubtype="21" fill="hold" nodeType="clickEffect">
                                   <p:stCondLst>
                                     <p:cond delay="0"/>
                                   </p:stCondLst>
                                   <p:childTnLst>
                                     <p:set>
                                       <p:cBhvr>
-                                        <p:cTn id="29" dur="1" fill="hold">
+                                        <p:cTn id="17" dur="1" fill="hold">
                                           <p:stCondLst>
                                             <p:cond delay="0"/>
                                           </p:stCondLst>
@@ -9811,7 +9079,7 @@
                                     </p:set>
                                     <p:animEffect transition="in" filter="barn(inVertical)">
                                       <p:cBhvr>
-                                        <p:cTn id="30" dur="500"/>
+                                        <p:cTn id="18" dur="500"/>
                                         <p:tgtEl>
                                           <p:spTgt spid="13"/>
                                         </p:tgtEl>
@@ -9848,8 +9116,6 @@
       </p:par>
     </p:tnLst>
     <p:bldLst>
-      <p:bldP spid="11" grpId="0" animBg="1"/>
-      <p:bldP spid="12" grpId="0"/>
       <p:bldP spid="18" grpId="0" animBg="1"/>
     </p:bldLst>
   </p:timing>
